--- a/SDA - Anghel Neculai-Vasile .pptx
+++ b/SDA - Anghel Neculai-Vasile .pptx
@@ -5,21 +5,22 @@
     <p:sldMasterId id="2147484112" r:id="rId1"/>
   </p:sldMasterIdLst>
   <p:notesMasterIdLst>
-    <p:notesMasterId r:id="rId14"/>
+    <p:notesMasterId r:id="rId15"/>
   </p:notesMasterIdLst>
   <p:sldIdLst>
     <p:sldId id="256" r:id="rId2"/>
-    <p:sldId id="257" r:id="rId3"/>
-    <p:sldId id="284" r:id="rId4"/>
-    <p:sldId id="285" r:id="rId5"/>
-    <p:sldId id="286" r:id="rId6"/>
-    <p:sldId id="261" r:id="rId7"/>
-    <p:sldId id="265" r:id="rId8"/>
-    <p:sldId id="270" r:id="rId9"/>
-    <p:sldId id="275" r:id="rId10"/>
-    <p:sldId id="280" r:id="rId11"/>
-    <p:sldId id="283" r:id="rId12"/>
-    <p:sldId id="282" r:id="rId13"/>
+    <p:sldId id="287" r:id="rId3"/>
+    <p:sldId id="257" r:id="rId4"/>
+    <p:sldId id="284" r:id="rId5"/>
+    <p:sldId id="285" r:id="rId6"/>
+    <p:sldId id="286" r:id="rId7"/>
+    <p:sldId id="261" r:id="rId8"/>
+    <p:sldId id="265" r:id="rId9"/>
+    <p:sldId id="270" r:id="rId10"/>
+    <p:sldId id="275" r:id="rId11"/>
+    <p:sldId id="280" r:id="rId12"/>
+    <p:sldId id="283" r:id="rId13"/>
+    <p:sldId id="282" r:id="rId14"/>
   </p:sldIdLst>
   <p:sldSz cx="12192000" cy="6858000"/>
   <p:notesSz cx="6858000" cy="9144000"/>
@@ -624,7 +625,91 @@
           <a:p>
             <a:fld id="{B5A12C71-58C0-4104-A810-2456EFF4ED0B}" type="slidenum">
               <a:rPr lang="en-US" smtClean="0"/>
-              <a:t>6</a:t>
+              <a:t>2</a:t>
+            </a:fld>
+            <a:endParaRPr lang="en-US"/>
+          </a:p>
+        </p:txBody>
+      </p:sp>
+    </p:spTree>
+    <p:extLst>
+      <p:ext uri="{BB962C8B-B14F-4D97-AF65-F5344CB8AC3E}">
+        <p14:creationId xmlns:p14="http://schemas.microsoft.com/office/powerpoint/2010/main" val="613077932"/>
+      </p:ext>
+    </p:extLst>
+  </p:cSld>
+  <p:clrMapOvr>
+    <a:masterClrMapping/>
+  </p:clrMapOvr>
+</p:notes>
+</file>
+
+<file path=ppt/notesSlides/notesSlide3.xml><?xml version="1.0" encoding="utf-8"?>
+<p:notes xmlns:a="http://schemas.openxmlformats.org/drawingml/2006/main" xmlns:r="http://schemas.openxmlformats.org/officeDocument/2006/relationships" xmlns:p="http://schemas.openxmlformats.org/presentationml/2006/main">
+  <p:cSld>
+    <p:spTree>
+      <p:nvGrpSpPr>
+        <p:cNvPr id="1" name=""/>
+        <p:cNvGrpSpPr/>
+        <p:nvPr/>
+      </p:nvGrpSpPr>
+      <p:grpSpPr>
+        <a:xfrm>
+          <a:off x="0" y="0"/>
+          <a:ext cx="0" cy="0"/>
+          <a:chOff x="0" y="0"/>
+          <a:chExt cx="0" cy="0"/>
+        </a:xfrm>
+      </p:grpSpPr>
+      <p:sp>
+        <p:nvSpPr>
+          <p:cNvPr id="2" name="Slide Image Placeholder 1"/>
+          <p:cNvSpPr>
+            <a:spLocks noGrp="1" noRot="1" noChangeAspect="1"/>
+          </p:cNvSpPr>
+          <p:nvPr>
+            <p:ph type="sldImg"/>
+          </p:nvPr>
+        </p:nvSpPr>
+        <p:spPr/>
+      </p:sp>
+      <p:sp>
+        <p:nvSpPr>
+          <p:cNvPr id="3" name="Notes Placeholder 2"/>
+          <p:cNvSpPr>
+            <a:spLocks noGrp="1"/>
+          </p:cNvSpPr>
+          <p:nvPr>
+            <p:ph type="body" idx="1"/>
+          </p:nvPr>
+        </p:nvSpPr>
+        <p:spPr/>
+        <p:txBody>
+          <a:bodyPr/>
+          <a:lstStyle/>
+          <a:p>
+            <a:endParaRPr lang="en-US" dirty="0"/>
+          </a:p>
+        </p:txBody>
+      </p:sp>
+      <p:sp>
+        <p:nvSpPr>
+          <p:cNvPr id="4" name="Slide Number Placeholder 3"/>
+          <p:cNvSpPr>
+            <a:spLocks noGrp="1"/>
+          </p:cNvSpPr>
+          <p:nvPr>
+            <p:ph type="sldNum" sz="quarter" idx="5"/>
+          </p:nvPr>
+        </p:nvSpPr>
+        <p:spPr/>
+        <p:txBody>
+          <a:bodyPr/>
+          <a:lstStyle/>
+          <a:p>
+            <a:fld id="{B5A12C71-58C0-4104-A810-2456EFF4ED0B}" type="slidenum">
+              <a:rPr lang="en-US" smtClean="0"/>
+              <a:t>7</a:t>
             </a:fld>
             <a:endParaRPr lang="en-US"/>
           </a:p>
@@ -1143,7 +1228,7 @@
           <a:bodyPr/>
           <a:lstStyle/>
           <a:p>
-            <a:fld id="{0AF1C7BB-45BE-4D1A-A8BC-B4075000F3EC}" type="datetimeFigureOut">
+            <a:fld id="{10B72465-EA92-42AC-B824-3BEA5FA73727}" type="datetime1">
               <a:rPr lang="en-US" smtClean="0"/>
               <a:t>2/10/2019</a:t>
             </a:fld>
@@ -1208,7 +1293,7 @@
   <p:clrMapOvr>
     <a:masterClrMapping/>
   </p:clrMapOvr>
-  <p:extLst>
+  <p:extLst mod="1">
     <p:ext uri="{DCECCB84-F9BA-43D5-87BE-67443E8EF086}">
       <p15:sldGuideLst xmlns:p15="http://schemas.microsoft.com/office/powerpoint/2012/main"/>
     </p:ext>
@@ -1444,7 +1529,7 @@
           <a:bodyPr/>
           <a:lstStyle/>
           <a:p>
-            <a:fld id="{0AF1C7BB-45BE-4D1A-A8BC-B4075000F3EC}" type="datetimeFigureOut">
+            <a:fld id="{729DEFD8-518C-4D5E-8EF1-88F7A5A4C2E8}" type="datetime1">
               <a:rPr lang="en-US" smtClean="0"/>
               <a:t>2/10/2019</a:t>
             </a:fld>
@@ -1692,7 +1777,7 @@
           <a:bodyPr/>
           <a:lstStyle/>
           <a:p>
-            <a:fld id="{0AF1C7BB-45BE-4D1A-A8BC-B4075000F3EC}" type="datetimeFigureOut">
+            <a:fld id="{A43CC9F5-FEAE-4F14-ACF3-743030430902}" type="datetime1">
               <a:rPr lang="en-US" smtClean="0"/>
               <a:t>2/10/2019</a:t>
             </a:fld>
@@ -2232,7 +2317,7 @@
           <a:bodyPr/>
           <a:lstStyle/>
           <a:p>
-            <a:fld id="{0AF1C7BB-45BE-4D1A-A8BC-B4075000F3EC}" type="datetimeFigureOut">
+            <a:fld id="{D38CE4AF-A9FF-4658-A146-31DCB8FB961B}" type="datetime1">
               <a:rPr lang="en-US" smtClean="0"/>
               <a:t>2/10/2019</a:t>
             </a:fld>
@@ -2480,7 +2565,7 @@
           <a:bodyPr/>
           <a:lstStyle/>
           <a:p>
-            <a:fld id="{0AF1C7BB-45BE-4D1A-A8BC-B4075000F3EC}" type="datetimeFigureOut">
+            <a:fld id="{8DE0707E-4BC9-47D0-96FC-9DFC9BB9C61D}" type="datetime1">
               <a:rPr lang="en-US" smtClean="0"/>
               <a:t>2/10/2019</a:t>
             </a:fld>
@@ -3012,7 +3097,7 @@
           <a:bodyPr/>
           <a:lstStyle/>
           <a:p>
-            <a:fld id="{0AF1C7BB-45BE-4D1A-A8BC-B4075000F3EC}" type="datetimeFigureOut">
+            <a:fld id="{99F15113-9034-4F9B-8115-A3006D6F766E}" type="datetime1">
               <a:rPr lang="en-US" smtClean="0"/>
               <a:t>2/10/2019</a:t>
             </a:fld>
@@ -3309,7 +3394,7 @@
           <a:bodyPr/>
           <a:lstStyle/>
           <a:p>
-            <a:fld id="{0AF1C7BB-45BE-4D1A-A8BC-B4075000F3EC}" type="datetimeFigureOut">
+            <a:fld id="{E4A91FAF-CFA6-4253-A25A-494852DB4666}" type="datetime1">
               <a:rPr lang="en-US" smtClean="0"/>
               <a:t>2/10/2019</a:t>
             </a:fld>
@@ -3483,7 +3568,7 @@
           <a:bodyPr/>
           <a:lstStyle/>
           <a:p>
-            <a:fld id="{0AF1C7BB-45BE-4D1A-A8BC-B4075000F3EC}" type="datetimeFigureOut">
+            <a:fld id="{FFCF211F-E0EF-4120-A816-3CD3C832AEA8}" type="datetime1">
               <a:rPr lang="en-US" smtClean="0"/>
               <a:t>2/10/2019</a:t>
             </a:fld>
@@ -3663,7 +3748,7 @@
           <a:bodyPr/>
           <a:lstStyle/>
           <a:p>
-            <a:fld id="{0AF1C7BB-45BE-4D1A-A8BC-B4075000F3EC}" type="datetimeFigureOut">
+            <a:fld id="{8B78EEA8-DC2C-4137-B5B2-057C5DAD3EC8}" type="datetime1">
               <a:rPr lang="en-US" smtClean="0"/>
               <a:t>2/10/2019</a:t>
             </a:fld>
@@ -3838,7 +3923,7 @@
           <a:bodyPr/>
           <a:lstStyle/>
           <a:p>
-            <a:fld id="{0AF1C7BB-45BE-4D1A-A8BC-B4075000F3EC}" type="datetimeFigureOut">
+            <a:fld id="{70B1AC57-FFF2-4EDF-B6E8-836959FB28CD}" type="datetime1">
               <a:rPr lang="en-US" smtClean="0"/>
               <a:t>2/10/2019</a:t>
             </a:fld>
@@ -4008,7 +4093,7 @@
           <a:bodyPr/>
           <a:lstStyle/>
           <a:p>
-            <a:fld id="{0AF1C7BB-45BE-4D1A-A8BC-B4075000F3EC}" type="datetimeFigureOut">
+            <a:fld id="{63745333-2217-4556-A14F-E39238F1A0E6}" type="datetime1">
               <a:rPr lang="en-US" smtClean="0"/>
               <a:t>2/10/2019</a:t>
             </a:fld>
@@ -4259,7 +4344,7 @@
           <a:bodyPr/>
           <a:lstStyle/>
           <a:p>
-            <a:fld id="{0AF1C7BB-45BE-4D1A-A8BC-B4075000F3EC}" type="datetimeFigureOut">
+            <a:fld id="{8B2F1F06-80BB-4CE8-B863-6BDD7499A57A}" type="datetime1">
               <a:rPr lang="en-US" smtClean="0"/>
               <a:t>2/10/2019</a:t>
             </a:fld>
@@ -4319,7 +4404,7 @@
   <p:clrMapOvr>
     <a:masterClrMapping/>
   </p:clrMapOvr>
-  <p:extLst>
+  <p:extLst mod="1">
     <p:ext uri="{DCECCB84-F9BA-43D5-87BE-67443E8EF086}">
       <p15:sldGuideLst xmlns:p15="http://schemas.microsoft.com/office/powerpoint/2012/main"/>
     </p:ext>
@@ -4561,7 +4646,7 @@
           <a:bodyPr/>
           <a:lstStyle/>
           <a:p>
-            <a:fld id="{0AF1C7BB-45BE-4D1A-A8BC-B4075000F3EC}" type="datetimeFigureOut">
+            <a:fld id="{4A0B2D63-344A-432F-8CAC-B08D2BAFC89A}" type="datetime1">
               <a:rPr lang="en-US" smtClean="0"/>
               <a:t>2/10/2019</a:t>
             </a:fld>
@@ -5003,7 +5088,7 @@
           <a:bodyPr/>
           <a:lstStyle/>
           <a:p>
-            <a:fld id="{0AF1C7BB-45BE-4D1A-A8BC-B4075000F3EC}" type="datetimeFigureOut">
+            <a:fld id="{161562D1-6D79-4D25-A0EF-520C799CA3B3}" type="datetime1">
               <a:rPr lang="en-US" smtClean="0"/>
               <a:t>2/10/2019</a:t>
             </a:fld>
@@ -5121,7 +5206,7 @@
           <a:bodyPr/>
           <a:lstStyle/>
           <a:p>
-            <a:fld id="{0AF1C7BB-45BE-4D1A-A8BC-B4075000F3EC}" type="datetimeFigureOut">
+            <a:fld id="{0E8E059F-7D41-4ABD-9416-EE44747083EC}" type="datetime1">
               <a:rPr lang="en-US" smtClean="0"/>
               <a:t>2/10/2019</a:t>
             </a:fld>
@@ -5216,7 +5301,7 @@
           <a:bodyPr/>
           <a:lstStyle/>
           <a:p>
-            <a:fld id="{0AF1C7BB-45BE-4D1A-A8BC-B4075000F3EC}" type="datetimeFigureOut">
+            <a:fld id="{370E209F-C010-4588-9832-41014EBC0758}" type="datetime1">
               <a:rPr lang="en-US" smtClean="0"/>
               <a:t>2/10/2019</a:t>
             </a:fld>
@@ -5276,7 +5361,7 @@
   <p:clrMapOvr>
     <a:masterClrMapping/>
   </p:clrMapOvr>
-  <p:extLst>
+  <p:extLst mod="1">
     <p:ext uri="{DCECCB84-F9BA-43D5-87BE-67443E8EF086}">
       <p15:sldGuideLst xmlns:p15="http://schemas.microsoft.com/office/powerpoint/2012/main"/>
     </p:ext>
@@ -5504,7 +5589,7 @@
           <a:bodyPr/>
           <a:lstStyle/>
           <a:p>
-            <a:fld id="{0AF1C7BB-45BE-4D1A-A8BC-B4075000F3EC}" type="datetimeFigureOut">
+            <a:fld id="{CC2FD55D-C241-4B22-9125-A47B8B06B188}" type="datetime1">
               <a:rPr lang="en-US" smtClean="0"/>
               <a:t>2/10/2019</a:t>
             </a:fld>
@@ -5795,7 +5880,7 @@
           <a:bodyPr/>
           <a:lstStyle/>
           <a:p>
-            <a:fld id="{0AF1C7BB-45BE-4D1A-A8BC-B4075000F3EC}" type="datetimeFigureOut">
+            <a:fld id="{DBB99C38-FEC0-4838-95A8-7ABFA0202330}" type="datetime1">
               <a:rPr lang="en-US" smtClean="0"/>
               <a:t>2/10/2019</a:t>
             </a:fld>
@@ -6325,7 +6410,7 @@
             </a:lvl1pPr>
           </a:lstStyle>
           <a:p>
-            <a:fld id="{0AF1C7BB-45BE-4D1A-A8BC-B4075000F3EC}" type="datetimeFigureOut">
+            <a:fld id="{8AC450B6-2A65-45D8-86F7-529306ACB4D9}" type="datetime1">
               <a:rPr lang="en-US" smtClean="0"/>
               <a:t>2/10/2019</a:t>
             </a:fld>
@@ -6439,6 +6524,7 @@
     <p:sldLayoutId id="2147484129" r:id="rId17"/>
     <p:sldLayoutId id="2147484130" r:id="rId18"/>
   </p:sldLayoutIdLst>
+  <p:hf hdr="0" ftr="0" dt="0"/>
   <p:txStyles>
     <p:titleStyle>
       <a:lvl1pPr algn="ctr" defTabSz="457200" rtl="0" eaLnBrk="1" latinLnBrk="0" hangingPunct="1">
@@ -6839,7 +6925,7 @@
       </a:lvl9pPr>
     </p:otherStyle>
   </p:txStyles>
-  <p:extLst>
+  <p:extLst mod="1">
     <p:ext uri="{27BBF7A9-308A-43DC-89C8-2F10F3537804}">
       <p15:sldGuideLst xmlns:p15="http://schemas.microsoft.com/office/powerpoint/2012/main"/>
     </p:ext>
@@ -7032,6 +7118,35 @@
           </a:prstGeom>
         </p:spPr>
       </p:pic>
+      <p:sp>
+        <p:nvSpPr>
+          <p:cNvPr id="8" name="Slide Number Placeholder 7">
+            <a:extLst>
+              <a:ext uri="{FF2B5EF4-FFF2-40B4-BE49-F238E27FC236}">
+                <a16:creationId xmlns:a16="http://schemas.microsoft.com/office/drawing/2014/main" id="{CAB8FA89-18EA-4385-8E85-2C5CF3E29C05}"/>
+              </a:ext>
+            </a:extLst>
+          </p:cNvPr>
+          <p:cNvSpPr>
+            <a:spLocks noGrp="1"/>
+          </p:cNvSpPr>
+          <p:nvPr>
+            <p:ph type="sldNum" sz="quarter" idx="12"/>
+          </p:nvPr>
+        </p:nvSpPr>
+        <p:spPr/>
+        <p:txBody>
+          <a:bodyPr/>
+          <a:lstStyle/>
+          <a:p>
+            <a:fld id="{F790DE73-E2B1-4B33-89E6-89D6E9121213}" type="slidenum">
+              <a:rPr lang="en-US" smtClean="0"/>
+              <a:t>1</a:t>
+            </a:fld>
+            <a:endParaRPr lang="en-US"/>
+          </a:p>
+        </p:txBody>
+      </p:sp>
     </p:spTree>
     <p:extLst>
       <p:ext uri="{BB962C8B-B14F-4D97-AF65-F5344CB8AC3E}">
@@ -7085,7 +7200,7 @@
           <a:p>
             <a:r>
               <a:rPr lang="ro-RO" dirty="0"/>
-              <a:t>Idei de Imbunătățire A S.D.A. </a:t>
+              <a:t>Securitatea serviciului S.D.A.</a:t>
             </a:r>
             <a:endParaRPr lang="en-US" dirty="0"/>
           </a:p>
@@ -7109,45 +7224,70 @@
         </p:nvSpPr>
         <p:spPr>
           <a:xfrm>
-            <a:off x="1101438" y="2631972"/>
-            <a:ext cx="10557540" cy="2480628"/>
+            <a:off x="1296313" y="3051954"/>
+            <a:ext cx="10394707" cy="2480628"/>
           </a:xfrm>
         </p:spPr>
         <p:txBody>
           <a:bodyPr anchor="t">
-            <a:normAutofit/>
+            <a:normAutofit fontScale="92500" lnSpcReduction="20000"/>
           </a:bodyPr>
           <a:lstStyle/>
           <a:p>
-            <a:pPr lvl="0"/>
             <a:r>
               <a:rPr lang="ro-RO" dirty="0"/>
-              <a:t>REțELE NEURONALE  -- S.O.S. Automat</a:t>
-            </a:r>
-          </a:p>
-          <a:p>
-            <a:pPr lvl="0"/>
+              <a:t>Combaterea apelurilor false </a:t>
+            </a:r>
+          </a:p>
+          <a:p>
+            <a:pPr lvl="1">
+              <a:buFont typeface="Wingdings" panose="05000000000000000000" pitchFamily="2" charset="2"/>
+              <a:buChar char="Ø"/>
+            </a:pPr>
             <a:r>
               <a:rPr lang="ro-RO" dirty="0"/>
-              <a:t>PRELUARE DATE AUTOMATE -- Informatii automate despre Starea pacientului</a:t>
-            </a:r>
-          </a:p>
-          <a:p>
+              <a:t>Ordonanța de urgență </a:t>
+            </a:r>
+            <a:r>
+              <a:rPr lang="ro-RO" i="1" dirty="0"/>
+              <a:t>nr. 34/2008 </a:t>
+            </a:r>
+          </a:p>
+          <a:p>
+            <a:pPr lvl="1">
+              <a:buFont typeface="Wingdings" panose="05000000000000000000" pitchFamily="2" charset="2"/>
+              <a:buChar char="Ø"/>
+            </a:pPr>
             <a:r>
               <a:rPr lang="ro-RO" dirty="0"/>
-              <a:t>MONITORIZARE PACIENT ÎN TIMP REAL – Raport initial pentru internare</a:t>
-            </a:r>
+              <a:t>Posibilitatea de a trimite raport lunar catre politie cu apelurile false</a:t>
+            </a:r>
+            <a:endParaRPr lang="ro-RO" i="1" dirty="0"/>
           </a:p>
           <a:p>
             <a:r>
               <a:rPr lang="ro-RO" dirty="0"/>
-              <a:t>LOCALIZARE VIZUALĂ A AMBULANȚELOR – monitorizare resurse Si transparenta catre pacienti</a:t>
-            </a:r>
-            <a:endParaRPr lang="en-US" dirty="0"/>
-          </a:p>
-          <a:p>
-            <a:pPr lvl="0"/>
-            <a:endParaRPr lang="en-US" dirty="0"/>
+              <a:t>Declarațiile parametrizate împotriva atacului SQL Injection</a:t>
+            </a:r>
+          </a:p>
+          <a:p>
+            <a:r>
+              <a:rPr lang="ro-RO" dirty="0"/>
+              <a:t>Funcția de validare CNP </a:t>
+            </a:r>
+          </a:p>
+          <a:p>
+            <a:r>
+              <a:rPr lang="ro-RO" dirty="0"/>
+              <a:t>Avertizare, Banare, Blocare</a:t>
+            </a:r>
+          </a:p>
+          <a:p>
+            <a:pPr lvl="1">
+              <a:buFont typeface="Wingdings" panose="05000000000000000000" pitchFamily="2" charset="2"/>
+              <a:buChar char="Ø"/>
+            </a:pPr>
+            <a:endParaRPr lang="ro-RO" b="1" dirty="0"/>
           </a:p>
           <a:p>
             <a:pPr lvl="1">
@@ -7155,6 +7295,553 @@
               <a:buChar char="Ø"/>
             </a:pPr>
             <a:endParaRPr lang="ro-RO" dirty="0"/>
+          </a:p>
+        </p:txBody>
+      </p:sp>
+      <p:sp>
+        <p:nvSpPr>
+          <p:cNvPr id="4" name="TextBox 3">
+            <a:extLst>
+              <a:ext uri="{FF2B5EF4-FFF2-40B4-BE49-F238E27FC236}">
+                <a16:creationId xmlns:a16="http://schemas.microsoft.com/office/drawing/2014/main" id="{77C73609-2DAC-4DA8-98A9-C250224BB500}"/>
+              </a:ext>
+            </a:extLst>
+          </p:cNvPr>
+          <p:cNvSpPr txBox="1"/>
+          <p:nvPr/>
+        </p:nvSpPr>
+        <p:spPr>
+          <a:xfrm>
+            <a:off x="1484311" y="2176789"/>
+            <a:ext cx="5756704" cy="523220"/>
+          </a:xfrm>
+          <a:prstGeom prst="rect">
+            <a:avLst/>
+          </a:prstGeom>
+          <a:noFill/>
+        </p:spPr>
+        <p:txBody>
+          <a:bodyPr wrap="square" rtlCol="0">
+            <a:spAutoFit/>
+          </a:bodyPr>
+          <a:lstStyle/>
+          <a:p>
+            <a:r>
+              <a:rPr lang="ro-RO" sz="2800" dirty="0">
+                <a:solidFill>
+                  <a:schemeClr val="accent1"/>
+                </a:solidFill>
+              </a:rPr>
+              <a:t>Metode de securitate implementate:</a:t>
+            </a:r>
+          </a:p>
+        </p:txBody>
+      </p:sp>
+      <p:sp>
+        <p:nvSpPr>
+          <p:cNvPr id="3" name="Slide Number Placeholder 2">
+            <a:extLst>
+              <a:ext uri="{FF2B5EF4-FFF2-40B4-BE49-F238E27FC236}">
+                <a16:creationId xmlns:a16="http://schemas.microsoft.com/office/drawing/2014/main" id="{2EF5BFD9-95F1-4B40-9EAB-2B4DC6A47EBE}"/>
+              </a:ext>
+            </a:extLst>
+          </p:cNvPr>
+          <p:cNvSpPr>
+            <a:spLocks noGrp="1"/>
+          </p:cNvSpPr>
+          <p:nvPr>
+            <p:ph type="sldNum" sz="quarter" idx="12"/>
+          </p:nvPr>
+        </p:nvSpPr>
+        <p:spPr/>
+        <p:txBody>
+          <a:bodyPr/>
+          <a:lstStyle/>
+          <a:p>
+            <a:fld id="{F790DE73-E2B1-4B33-89E6-89D6E9121213}" type="slidenum">
+              <a:rPr lang="en-US" smtClean="0"/>
+              <a:t>10</a:t>
+            </a:fld>
+            <a:endParaRPr lang="en-US"/>
+          </a:p>
+        </p:txBody>
+      </p:sp>
+    </p:spTree>
+    <p:extLst>
+      <p:ext uri="{BB962C8B-B14F-4D97-AF65-F5344CB8AC3E}">
+        <p14:creationId xmlns:p14="http://schemas.microsoft.com/office/powerpoint/2010/main" val="220315313"/>
+      </p:ext>
+    </p:extLst>
+  </p:cSld>
+  <p:clrMapOvr>
+    <a:masterClrMapping/>
+  </p:clrMapOvr>
+  <p:timing>
+    <p:tnLst>
+      <p:par>
+        <p:cTn id="1" dur="indefinite" restart="never" nodeType="tmRoot">
+          <p:childTnLst>
+            <p:seq concurrent="1" nextAc="seek">
+              <p:cTn id="2" dur="indefinite" nodeType="mainSeq">
+                <p:childTnLst>
+                  <p:par>
+                    <p:cTn id="3" fill="hold">
+                      <p:stCondLst>
+                        <p:cond delay="indefinite"/>
+                      </p:stCondLst>
+                      <p:childTnLst>
+                        <p:par>
+                          <p:cTn id="4" fill="hold">
+                            <p:stCondLst>
+                              <p:cond delay="0"/>
+                            </p:stCondLst>
+                            <p:childTnLst>
+                              <p:par>
+                                <p:cTn id="5" presetID="1" presetClass="entr" presetSubtype="0" fill="hold" nodeType="clickEffect">
+                                  <p:stCondLst>
+                                    <p:cond delay="0"/>
+                                  </p:stCondLst>
+                                  <p:childTnLst>
+                                    <p:set>
+                                      <p:cBhvr>
+                                        <p:cTn id="6" dur="1" fill="hold">
+                                          <p:stCondLst>
+                                            <p:cond delay="0"/>
+                                          </p:stCondLst>
+                                        </p:cTn>
+                                        <p:tgtEl>
+                                          <p:spTgt spid="7">
+                                            <p:txEl>
+                                              <p:pRg st="0" end="0"/>
+                                            </p:txEl>
+                                          </p:spTgt>
+                                        </p:tgtEl>
+                                        <p:attrNameLst>
+                                          <p:attrName>style.visibility</p:attrName>
+                                        </p:attrNameLst>
+                                      </p:cBhvr>
+                                      <p:to>
+                                        <p:strVal val="visible"/>
+                                      </p:to>
+                                    </p:set>
+                                  </p:childTnLst>
+                                </p:cTn>
+                              </p:par>
+                            </p:childTnLst>
+                          </p:cTn>
+                        </p:par>
+                      </p:childTnLst>
+                    </p:cTn>
+                  </p:par>
+                  <p:par>
+                    <p:cTn id="7" fill="hold">
+                      <p:stCondLst>
+                        <p:cond delay="indefinite"/>
+                      </p:stCondLst>
+                      <p:childTnLst>
+                        <p:par>
+                          <p:cTn id="8" fill="hold">
+                            <p:stCondLst>
+                              <p:cond delay="0"/>
+                            </p:stCondLst>
+                            <p:childTnLst>
+                              <p:par>
+                                <p:cTn id="9" presetID="1" presetClass="entr" presetSubtype="0" fill="hold" nodeType="clickEffect">
+                                  <p:stCondLst>
+                                    <p:cond delay="0"/>
+                                  </p:stCondLst>
+                                  <p:childTnLst>
+                                    <p:set>
+                                      <p:cBhvr>
+                                        <p:cTn id="10" dur="1" fill="hold">
+                                          <p:stCondLst>
+                                            <p:cond delay="0"/>
+                                          </p:stCondLst>
+                                        </p:cTn>
+                                        <p:tgtEl>
+                                          <p:spTgt spid="7">
+                                            <p:txEl>
+                                              <p:pRg st="1" end="1"/>
+                                            </p:txEl>
+                                          </p:spTgt>
+                                        </p:tgtEl>
+                                        <p:attrNameLst>
+                                          <p:attrName>style.visibility</p:attrName>
+                                        </p:attrNameLst>
+                                      </p:cBhvr>
+                                      <p:to>
+                                        <p:strVal val="visible"/>
+                                      </p:to>
+                                    </p:set>
+                                  </p:childTnLst>
+                                </p:cTn>
+                              </p:par>
+                            </p:childTnLst>
+                          </p:cTn>
+                        </p:par>
+                      </p:childTnLst>
+                    </p:cTn>
+                  </p:par>
+                  <p:par>
+                    <p:cTn id="11" fill="hold">
+                      <p:stCondLst>
+                        <p:cond delay="indefinite"/>
+                      </p:stCondLst>
+                      <p:childTnLst>
+                        <p:par>
+                          <p:cTn id="12" fill="hold">
+                            <p:stCondLst>
+                              <p:cond delay="0"/>
+                            </p:stCondLst>
+                            <p:childTnLst>
+                              <p:par>
+                                <p:cTn id="13" presetID="1" presetClass="entr" presetSubtype="0" fill="hold" nodeType="clickEffect">
+                                  <p:stCondLst>
+                                    <p:cond delay="0"/>
+                                  </p:stCondLst>
+                                  <p:childTnLst>
+                                    <p:set>
+                                      <p:cBhvr>
+                                        <p:cTn id="14" dur="1" fill="hold">
+                                          <p:stCondLst>
+                                            <p:cond delay="0"/>
+                                          </p:stCondLst>
+                                        </p:cTn>
+                                        <p:tgtEl>
+                                          <p:spTgt spid="7">
+                                            <p:txEl>
+                                              <p:pRg st="2" end="2"/>
+                                            </p:txEl>
+                                          </p:spTgt>
+                                        </p:tgtEl>
+                                        <p:attrNameLst>
+                                          <p:attrName>style.visibility</p:attrName>
+                                        </p:attrNameLst>
+                                      </p:cBhvr>
+                                      <p:to>
+                                        <p:strVal val="visible"/>
+                                      </p:to>
+                                    </p:set>
+                                  </p:childTnLst>
+                                </p:cTn>
+                              </p:par>
+                            </p:childTnLst>
+                          </p:cTn>
+                        </p:par>
+                      </p:childTnLst>
+                    </p:cTn>
+                  </p:par>
+                  <p:par>
+                    <p:cTn id="15" fill="hold">
+                      <p:stCondLst>
+                        <p:cond delay="indefinite"/>
+                      </p:stCondLst>
+                      <p:childTnLst>
+                        <p:par>
+                          <p:cTn id="16" fill="hold">
+                            <p:stCondLst>
+                              <p:cond delay="0"/>
+                            </p:stCondLst>
+                            <p:childTnLst>
+                              <p:par>
+                                <p:cTn id="17" presetID="1" presetClass="entr" presetSubtype="0" fill="hold" nodeType="clickEffect">
+                                  <p:stCondLst>
+                                    <p:cond delay="0"/>
+                                  </p:stCondLst>
+                                  <p:childTnLst>
+                                    <p:set>
+                                      <p:cBhvr>
+                                        <p:cTn id="18" dur="1" fill="hold">
+                                          <p:stCondLst>
+                                            <p:cond delay="0"/>
+                                          </p:stCondLst>
+                                        </p:cTn>
+                                        <p:tgtEl>
+                                          <p:spTgt spid="7">
+                                            <p:txEl>
+                                              <p:pRg st="3" end="3"/>
+                                            </p:txEl>
+                                          </p:spTgt>
+                                        </p:tgtEl>
+                                        <p:attrNameLst>
+                                          <p:attrName>style.visibility</p:attrName>
+                                        </p:attrNameLst>
+                                      </p:cBhvr>
+                                      <p:to>
+                                        <p:strVal val="visible"/>
+                                      </p:to>
+                                    </p:set>
+                                  </p:childTnLst>
+                                </p:cTn>
+                              </p:par>
+                            </p:childTnLst>
+                          </p:cTn>
+                        </p:par>
+                      </p:childTnLst>
+                    </p:cTn>
+                  </p:par>
+                  <p:par>
+                    <p:cTn id="19" fill="hold">
+                      <p:stCondLst>
+                        <p:cond delay="indefinite"/>
+                      </p:stCondLst>
+                      <p:childTnLst>
+                        <p:par>
+                          <p:cTn id="20" fill="hold">
+                            <p:stCondLst>
+                              <p:cond delay="0"/>
+                            </p:stCondLst>
+                            <p:childTnLst>
+                              <p:par>
+                                <p:cTn id="21" presetID="1" presetClass="entr" presetSubtype="0" fill="hold" nodeType="clickEffect">
+                                  <p:stCondLst>
+                                    <p:cond delay="0"/>
+                                  </p:stCondLst>
+                                  <p:childTnLst>
+                                    <p:set>
+                                      <p:cBhvr>
+                                        <p:cTn id="22" dur="1" fill="hold">
+                                          <p:stCondLst>
+                                            <p:cond delay="0"/>
+                                          </p:stCondLst>
+                                        </p:cTn>
+                                        <p:tgtEl>
+                                          <p:spTgt spid="7">
+                                            <p:txEl>
+                                              <p:pRg st="4" end="4"/>
+                                            </p:txEl>
+                                          </p:spTgt>
+                                        </p:tgtEl>
+                                        <p:attrNameLst>
+                                          <p:attrName>style.visibility</p:attrName>
+                                        </p:attrNameLst>
+                                      </p:cBhvr>
+                                      <p:to>
+                                        <p:strVal val="visible"/>
+                                      </p:to>
+                                    </p:set>
+                                  </p:childTnLst>
+                                </p:cTn>
+                              </p:par>
+                            </p:childTnLst>
+                          </p:cTn>
+                        </p:par>
+                      </p:childTnLst>
+                    </p:cTn>
+                  </p:par>
+                  <p:par>
+                    <p:cTn id="23" fill="hold">
+                      <p:stCondLst>
+                        <p:cond delay="indefinite"/>
+                      </p:stCondLst>
+                      <p:childTnLst>
+                        <p:par>
+                          <p:cTn id="24" fill="hold">
+                            <p:stCondLst>
+                              <p:cond delay="0"/>
+                            </p:stCondLst>
+                            <p:childTnLst>
+                              <p:par>
+                                <p:cTn id="25" presetID="1" presetClass="entr" presetSubtype="0" fill="hold" nodeType="clickEffect">
+                                  <p:stCondLst>
+                                    <p:cond delay="0"/>
+                                  </p:stCondLst>
+                                  <p:childTnLst>
+                                    <p:set>
+                                      <p:cBhvr>
+                                        <p:cTn id="26" dur="1" fill="hold">
+                                          <p:stCondLst>
+                                            <p:cond delay="0"/>
+                                          </p:stCondLst>
+                                        </p:cTn>
+                                        <p:tgtEl>
+                                          <p:spTgt spid="7">
+                                            <p:txEl>
+                                              <p:pRg st="5" end="5"/>
+                                            </p:txEl>
+                                          </p:spTgt>
+                                        </p:tgtEl>
+                                        <p:attrNameLst>
+                                          <p:attrName>style.visibility</p:attrName>
+                                        </p:attrNameLst>
+                                      </p:cBhvr>
+                                      <p:to>
+                                        <p:strVal val="visible"/>
+                                      </p:to>
+                                    </p:set>
+                                  </p:childTnLst>
+                                </p:cTn>
+                              </p:par>
+                            </p:childTnLst>
+                          </p:cTn>
+                        </p:par>
+                      </p:childTnLst>
+                    </p:cTn>
+                  </p:par>
+                </p:childTnLst>
+              </p:cTn>
+              <p:prevCondLst>
+                <p:cond evt="onPrev" delay="0">
+                  <p:tgtEl>
+                    <p:sldTgt/>
+                  </p:tgtEl>
+                </p:cond>
+              </p:prevCondLst>
+              <p:nextCondLst>
+                <p:cond evt="onNext" delay="0">
+                  <p:tgtEl>
+                    <p:sldTgt/>
+                  </p:tgtEl>
+                </p:cond>
+              </p:nextCondLst>
+            </p:seq>
+          </p:childTnLst>
+        </p:cTn>
+      </p:par>
+    </p:tnLst>
+  </p:timing>
+</p:sld>
+</file>
+
+<file path=ppt/slides/slide11.xml><?xml version="1.0" encoding="utf-8"?>
+<p:sld xmlns:a="http://schemas.openxmlformats.org/drawingml/2006/main" xmlns:r="http://schemas.openxmlformats.org/officeDocument/2006/relationships" xmlns:p="http://schemas.openxmlformats.org/presentationml/2006/main">
+  <p:cSld>
+    <p:spTree>
+      <p:nvGrpSpPr>
+        <p:cNvPr id="1" name=""/>
+        <p:cNvGrpSpPr/>
+        <p:nvPr/>
+      </p:nvGrpSpPr>
+      <p:grpSpPr>
+        <a:xfrm>
+          <a:off x="0" y="0"/>
+          <a:ext cx="0" cy="0"/>
+          <a:chOff x="0" y="0"/>
+          <a:chExt cx="0" cy="0"/>
+        </a:xfrm>
+      </p:grpSpPr>
+      <p:sp>
+        <p:nvSpPr>
+          <p:cNvPr id="2" name="Title 1">
+            <a:extLst>
+              <a:ext uri="{FF2B5EF4-FFF2-40B4-BE49-F238E27FC236}">
+                <a16:creationId xmlns:a16="http://schemas.microsoft.com/office/drawing/2014/main" id="{2CD33FBB-2A1E-46A8-B1A7-E3DA07CDCF02}"/>
+              </a:ext>
+            </a:extLst>
+          </p:cNvPr>
+          <p:cNvSpPr>
+            <a:spLocks noGrp="1"/>
+          </p:cNvSpPr>
+          <p:nvPr>
+            <p:ph type="title"/>
+          </p:nvPr>
+        </p:nvSpPr>
+        <p:spPr/>
+        <p:txBody>
+          <a:bodyPr/>
+          <a:lstStyle/>
+          <a:p>
+            <a:r>
+              <a:rPr lang="ro-RO" dirty="0"/>
+              <a:t>Idei de îmbunătățire pentru S.D.A. </a:t>
+            </a:r>
+            <a:endParaRPr lang="en-US" dirty="0"/>
+          </a:p>
+        </p:txBody>
+      </p:sp>
+      <p:sp>
+        <p:nvSpPr>
+          <p:cNvPr id="7" name="Content Placeholder 2">
+            <a:extLst>
+              <a:ext uri="{FF2B5EF4-FFF2-40B4-BE49-F238E27FC236}">
+                <a16:creationId xmlns:a16="http://schemas.microsoft.com/office/drawing/2014/main" id="{959D88C9-78AE-4E65-A7BF-D434E2E78E37}"/>
+              </a:ext>
+            </a:extLst>
+          </p:cNvPr>
+          <p:cNvSpPr>
+            <a:spLocks noGrp="1"/>
+          </p:cNvSpPr>
+          <p:nvPr>
+            <p:ph sz="quarter" idx="13"/>
+          </p:nvPr>
+        </p:nvSpPr>
+        <p:spPr>
+          <a:xfrm>
+            <a:off x="1101438" y="2631972"/>
+            <a:ext cx="10557540" cy="2480628"/>
+          </a:xfrm>
+        </p:spPr>
+        <p:txBody>
+          <a:bodyPr anchor="t">
+            <a:normAutofit/>
+          </a:bodyPr>
+          <a:lstStyle/>
+          <a:p>
+            <a:pPr lvl="0"/>
+            <a:r>
+              <a:rPr lang="ro-RO" dirty="0"/>
+              <a:t>REțELE NEURONALE  -- S.O.S. Automat</a:t>
+            </a:r>
+          </a:p>
+          <a:p>
+            <a:pPr lvl="0"/>
+            <a:r>
+              <a:rPr lang="ro-RO" dirty="0"/>
+              <a:t>PRELUARE DATE AUTOMATE -- Informatii automate despre Starea pacientului</a:t>
+            </a:r>
+          </a:p>
+          <a:p>
+            <a:r>
+              <a:rPr lang="ro-RO" dirty="0"/>
+              <a:t>MONITORIZARE PACIENT ÎN TIMP REAL – Raport initial pentru internare</a:t>
+            </a:r>
+          </a:p>
+          <a:p>
+            <a:r>
+              <a:rPr lang="ro-RO" dirty="0"/>
+              <a:t>LOCALIZARE VIZUALĂ A AMBULANȚELOR – monitorizare resurse Si transparenta catre pacienti</a:t>
+            </a:r>
+            <a:endParaRPr lang="en-US" dirty="0"/>
+          </a:p>
+          <a:p>
+            <a:pPr lvl="0"/>
+            <a:endParaRPr lang="en-US" dirty="0"/>
+          </a:p>
+          <a:p>
+            <a:pPr lvl="1">
+              <a:buFont typeface="Wingdings" panose="05000000000000000000" pitchFamily="2" charset="2"/>
+              <a:buChar char="Ø"/>
+            </a:pPr>
+            <a:endParaRPr lang="ro-RO" dirty="0"/>
+          </a:p>
+        </p:txBody>
+      </p:sp>
+      <p:sp>
+        <p:nvSpPr>
+          <p:cNvPr id="3" name="Slide Number Placeholder 2">
+            <a:extLst>
+              <a:ext uri="{FF2B5EF4-FFF2-40B4-BE49-F238E27FC236}">
+                <a16:creationId xmlns:a16="http://schemas.microsoft.com/office/drawing/2014/main" id="{5CA05DC4-A0A3-43B2-9915-B51729413BBC}"/>
+              </a:ext>
+            </a:extLst>
+          </p:cNvPr>
+          <p:cNvSpPr>
+            <a:spLocks noGrp="1"/>
+          </p:cNvSpPr>
+          <p:nvPr>
+            <p:ph type="sldNum" sz="quarter" idx="12"/>
+          </p:nvPr>
+        </p:nvSpPr>
+        <p:spPr/>
+        <p:txBody>
+          <a:bodyPr/>
+          <a:lstStyle/>
+          <a:p>
+            <a:fld id="{F790DE73-E2B1-4B33-89E6-89D6E9121213}" type="slidenum">
+              <a:rPr lang="en-US" smtClean="0"/>
+              <a:t>11</a:t>
+            </a:fld>
+            <a:endParaRPr lang="en-US"/>
           </a:p>
         </p:txBody>
       </p:sp>
@@ -7397,7 +8084,7 @@
 </p:sld>
 </file>
 
-<file path=ppt/slides/slide11.xml><?xml version="1.0" encoding="utf-8"?>
+<file path=ppt/slides/slide12.xml><?xml version="1.0" encoding="utf-8"?>
 <p:sld xmlns:a="http://schemas.openxmlformats.org/drawingml/2006/main" xmlns:r="http://schemas.openxmlformats.org/officeDocument/2006/relationships" xmlns:p="http://schemas.openxmlformats.org/presentationml/2006/main">
   <p:cSld>
     <p:spTree>
@@ -7541,6 +8228,35 @@
               <a:t>Automatizare = Stabilitatea Serviciului de ambulanțe </a:t>
             </a:r>
             <a:endParaRPr lang="en-US" dirty="0"/>
+          </a:p>
+        </p:txBody>
+      </p:sp>
+      <p:sp>
+        <p:nvSpPr>
+          <p:cNvPr id="3" name="Slide Number Placeholder 2">
+            <a:extLst>
+              <a:ext uri="{FF2B5EF4-FFF2-40B4-BE49-F238E27FC236}">
+                <a16:creationId xmlns:a16="http://schemas.microsoft.com/office/drawing/2014/main" id="{A7D780CC-3747-4A74-8205-BD5C0F6D0652}"/>
+              </a:ext>
+            </a:extLst>
+          </p:cNvPr>
+          <p:cNvSpPr>
+            <a:spLocks noGrp="1"/>
+          </p:cNvSpPr>
+          <p:nvPr>
+            <p:ph type="sldNum" sz="quarter" idx="12"/>
+          </p:nvPr>
+        </p:nvSpPr>
+        <p:spPr/>
+        <p:txBody>
+          <a:bodyPr/>
+          <a:lstStyle/>
+          <a:p>
+            <a:fld id="{F790DE73-E2B1-4B33-89E6-89D6E9121213}" type="slidenum">
+              <a:rPr lang="en-US" smtClean="0"/>
+              <a:t>12</a:t>
+            </a:fld>
+            <a:endParaRPr lang="en-US"/>
           </a:p>
         </p:txBody>
       </p:sp>
@@ -7635,7 +8351,7 @@
 </p:sld>
 </file>
 
-<file path=ppt/slides/slide12.xml><?xml version="1.0" encoding="utf-8"?>
+<file path=ppt/slides/slide13.xml><?xml version="1.0" encoding="utf-8"?>
 <p:sld xmlns:a="http://schemas.openxmlformats.org/drawingml/2006/main" xmlns:r="http://schemas.openxmlformats.org/officeDocument/2006/relationships" xmlns:p="http://schemas.openxmlformats.org/presentationml/2006/main">
   <p:cSld>
     <p:spTree>
@@ -7695,6 +8411,35 @@
               <a:t>	Intrebări?</a:t>
             </a:r>
             <a:endParaRPr lang="en-US" dirty="0"/>
+          </a:p>
+        </p:txBody>
+      </p:sp>
+      <p:sp>
+        <p:nvSpPr>
+          <p:cNvPr id="3" name="Slide Number Placeholder 2">
+            <a:extLst>
+              <a:ext uri="{FF2B5EF4-FFF2-40B4-BE49-F238E27FC236}">
+                <a16:creationId xmlns:a16="http://schemas.microsoft.com/office/drawing/2014/main" id="{428A0069-104B-46BC-8F9A-2A69B4C4EAF0}"/>
+              </a:ext>
+            </a:extLst>
+          </p:cNvPr>
+          <p:cNvSpPr>
+            <a:spLocks noGrp="1"/>
+          </p:cNvSpPr>
+          <p:nvPr>
+            <p:ph type="sldNum" sz="quarter" idx="12"/>
+          </p:nvPr>
+        </p:nvSpPr>
+        <p:spPr/>
+        <p:txBody>
+          <a:bodyPr/>
+          <a:lstStyle/>
+          <a:p>
+            <a:fld id="{F790DE73-E2B1-4B33-89E6-89D6E9121213}" type="slidenum">
+              <a:rPr lang="en-US" smtClean="0"/>
+              <a:t>13</a:t>
+            </a:fld>
+            <a:endParaRPr lang="en-US"/>
           </a:p>
         </p:txBody>
       </p:sp>
@@ -7730,6 +8475,516 @@
       </p:grpSpPr>
       <p:sp>
         <p:nvSpPr>
+          <p:cNvPr id="10" name="Title 1">
+            <a:extLst>
+              <a:ext uri="{FF2B5EF4-FFF2-40B4-BE49-F238E27FC236}">
+                <a16:creationId xmlns:a16="http://schemas.microsoft.com/office/drawing/2014/main" id="{EA4CBD2C-A330-4B24-96DA-6AAA103DB582}"/>
+              </a:ext>
+            </a:extLst>
+          </p:cNvPr>
+          <p:cNvSpPr txBox="1">
+            <a:spLocks/>
+          </p:cNvSpPr>
+          <p:nvPr/>
+        </p:nvSpPr>
+        <p:spPr>
+          <a:xfrm>
+            <a:off x="1956975" y="147974"/>
+            <a:ext cx="2801361" cy="1070656"/>
+          </a:xfrm>
+          <a:prstGeom prst="rect">
+            <a:avLst/>
+          </a:prstGeom>
+          <a:effectLst/>
+        </p:spPr>
+        <p:txBody>
+          <a:bodyPr vert="horz" lIns="91440" tIns="45720" rIns="91440" bIns="45720" rtlCol="0" anchor="b">
+            <a:normAutofit/>
+          </a:bodyPr>
+          <a:lstStyle>
+            <a:lvl1pPr algn="r" defTabSz="457200" rtl="0" eaLnBrk="1" latinLnBrk="0" hangingPunct="1">
+              <a:spcBef>
+                <a:spcPct val="0"/>
+              </a:spcBef>
+              <a:buNone/>
+              <a:defRPr sz="6000" kern="1200" cap="none">
+                <a:ln w="3175" cmpd="sng">
+                  <a:noFill/>
+                </a:ln>
+                <a:solidFill>
+                  <a:schemeClr val="tx1"/>
+                </a:solidFill>
+                <a:effectLst/>
+                <a:latin typeface="+mj-lt"/>
+                <a:ea typeface="+mj-ea"/>
+                <a:cs typeface="+mj-cs"/>
+              </a:defRPr>
+            </a:lvl1pPr>
+            <a:lvl2pPr eaLnBrk="1" hangingPunct="1">
+              <a:defRPr>
+                <a:solidFill>
+                  <a:schemeClr val="tx2"/>
+                </a:solidFill>
+              </a:defRPr>
+            </a:lvl2pPr>
+            <a:lvl3pPr eaLnBrk="1" hangingPunct="1">
+              <a:defRPr>
+                <a:solidFill>
+                  <a:schemeClr val="tx2"/>
+                </a:solidFill>
+              </a:defRPr>
+            </a:lvl3pPr>
+            <a:lvl4pPr eaLnBrk="1" hangingPunct="1">
+              <a:defRPr>
+                <a:solidFill>
+                  <a:schemeClr val="tx2"/>
+                </a:solidFill>
+              </a:defRPr>
+            </a:lvl4pPr>
+            <a:lvl5pPr eaLnBrk="1" hangingPunct="1">
+              <a:defRPr>
+                <a:solidFill>
+                  <a:schemeClr val="tx2"/>
+                </a:solidFill>
+              </a:defRPr>
+            </a:lvl5pPr>
+            <a:lvl6pPr eaLnBrk="1" hangingPunct="1">
+              <a:defRPr>
+                <a:solidFill>
+                  <a:schemeClr val="tx2"/>
+                </a:solidFill>
+              </a:defRPr>
+            </a:lvl6pPr>
+            <a:lvl7pPr eaLnBrk="1" hangingPunct="1">
+              <a:defRPr>
+                <a:solidFill>
+                  <a:schemeClr val="tx2"/>
+                </a:solidFill>
+              </a:defRPr>
+            </a:lvl7pPr>
+            <a:lvl8pPr eaLnBrk="1" hangingPunct="1">
+              <a:defRPr>
+                <a:solidFill>
+                  <a:schemeClr val="tx2"/>
+                </a:solidFill>
+              </a:defRPr>
+            </a:lvl8pPr>
+            <a:lvl9pPr eaLnBrk="1" hangingPunct="1">
+              <a:defRPr>
+                <a:solidFill>
+                  <a:schemeClr val="tx2"/>
+                </a:solidFill>
+              </a:defRPr>
+            </a:lvl9pPr>
+          </a:lstStyle>
+          <a:p>
+            <a:pPr algn="l"/>
+            <a:r>
+              <a:rPr lang="ro-RO" dirty="0"/>
+              <a:t>Cuprins</a:t>
+            </a:r>
+          </a:p>
+        </p:txBody>
+      </p:sp>
+      <p:sp>
+        <p:nvSpPr>
+          <p:cNvPr id="11" name="Rectangle 10">
+            <a:extLst>
+              <a:ext uri="{FF2B5EF4-FFF2-40B4-BE49-F238E27FC236}">
+                <a16:creationId xmlns:a16="http://schemas.microsoft.com/office/drawing/2014/main" id="{8C3A26F3-569A-4BF2-A94D-FA8F07858A07}"/>
+              </a:ext>
+            </a:extLst>
+          </p:cNvPr>
+          <p:cNvSpPr/>
+          <p:nvPr/>
+        </p:nvSpPr>
+        <p:spPr>
+          <a:xfrm>
+            <a:off x="4758336" y="1218060"/>
+            <a:ext cx="6255577" cy="4536819"/>
+          </a:xfrm>
+          <a:prstGeom prst="rect">
+            <a:avLst/>
+          </a:prstGeom>
+        </p:spPr>
+        <p:txBody>
+          <a:bodyPr wrap="square">
+            <a:spAutoFit/>
+          </a:bodyPr>
+          <a:lstStyle/>
+          <a:p>
+            <a:pPr marL="342900" indent="-342900">
+              <a:lnSpc>
+                <a:spcPct val="150000"/>
+              </a:lnSpc>
+              <a:buFont typeface="+mj-lt"/>
+              <a:buAutoNum type="arabicPeriod"/>
+            </a:pPr>
+            <a:r>
+              <a:rPr lang="ro-RO" sz="2800" dirty="0">
+                <a:solidFill>
+                  <a:srgbClr val="000000"/>
+                </a:solidFill>
+                <a:latin typeface="Arial" panose="020B0604020202020204" pitchFamily="34" charset="0"/>
+                <a:cs typeface="Arial" panose="020B0604020202020204" pitchFamily="34" charset="0"/>
+                <a:hlinkClick r:id="rId3" action="ppaction://hlinksldjump"/>
+              </a:rPr>
+              <a:t>Problema</a:t>
+            </a:r>
+            <a:endParaRPr lang="en-US" sz="2800" dirty="0">
+              <a:solidFill>
+                <a:srgbClr val="000000"/>
+              </a:solidFill>
+              <a:latin typeface="Arial" panose="020B0604020202020204" pitchFamily="34" charset="0"/>
+              <a:cs typeface="Arial" panose="020B0604020202020204" pitchFamily="34" charset="0"/>
+            </a:endParaRPr>
+          </a:p>
+          <a:p>
+            <a:pPr marL="342900" indent="-342900">
+              <a:lnSpc>
+                <a:spcPct val="150000"/>
+              </a:lnSpc>
+              <a:buFont typeface="+mj-lt"/>
+              <a:buAutoNum type="arabicPeriod"/>
+            </a:pPr>
+            <a:r>
+              <a:rPr lang="ro-RO" sz="2800" dirty="0">
+                <a:solidFill>
+                  <a:srgbClr val="000000"/>
+                </a:solidFill>
+                <a:latin typeface="Arial" panose="020B0604020202020204" pitchFamily="34" charset="0"/>
+                <a:cs typeface="Arial" panose="020B0604020202020204" pitchFamily="34" charset="0"/>
+                <a:hlinkClick r:id="rId4" action="ppaction://hlinksldjump"/>
+              </a:rPr>
+              <a:t>Soluția</a:t>
+            </a:r>
+            <a:endParaRPr lang="en-US" sz="2800" dirty="0">
+              <a:solidFill>
+                <a:srgbClr val="000000"/>
+              </a:solidFill>
+              <a:latin typeface="Arial" panose="020B0604020202020204" pitchFamily="34" charset="0"/>
+              <a:cs typeface="Arial" panose="020B0604020202020204" pitchFamily="34" charset="0"/>
+            </a:endParaRPr>
+          </a:p>
+          <a:p>
+            <a:pPr marL="342900" indent="-342900">
+              <a:lnSpc>
+                <a:spcPct val="150000"/>
+              </a:lnSpc>
+              <a:buFont typeface="+mj-lt"/>
+              <a:buAutoNum type="arabicPeriod"/>
+            </a:pPr>
+            <a:r>
+              <a:rPr lang="en-US" sz="2800" dirty="0">
+                <a:solidFill>
+                  <a:srgbClr val="000000"/>
+                </a:solidFill>
+                <a:latin typeface="Arial" panose="020B0604020202020204" pitchFamily="34" charset="0"/>
+                <a:cs typeface="Arial" panose="020B0604020202020204" pitchFamily="34" charset="0"/>
+                <a:hlinkClick r:id="rId5" action="ppaction://hlinksldjump"/>
+              </a:rPr>
+              <a:t>Cum </a:t>
+            </a:r>
+            <a:r>
+              <a:rPr lang="en-US" sz="2800" dirty="0" err="1">
+                <a:solidFill>
+                  <a:srgbClr val="000000"/>
+                </a:solidFill>
+                <a:latin typeface="Arial" panose="020B0604020202020204" pitchFamily="34" charset="0"/>
+                <a:cs typeface="Arial" panose="020B0604020202020204" pitchFamily="34" charset="0"/>
+                <a:hlinkClick r:id="rId5" action="ppaction://hlinksldjump"/>
+              </a:rPr>
+              <a:t>func</a:t>
+            </a:r>
+            <a:r>
+              <a:rPr lang="ro-RO" sz="2800" dirty="0">
+                <a:solidFill>
+                  <a:srgbClr val="000000"/>
+                </a:solidFill>
+                <a:latin typeface="Arial" panose="020B0604020202020204" pitchFamily="34" charset="0"/>
+                <a:cs typeface="Arial" panose="020B0604020202020204" pitchFamily="34" charset="0"/>
+                <a:hlinkClick r:id="rId5" action="ppaction://hlinksldjump"/>
+              </a:rPr>
+              <a:t>ț</a:t>
+            </a:r>
+            <a:r>
+              <a:rPr lang="en-US" sz="2800" dirty="0" err="1">
+                <a:solidFill>
+                  <a:srgbClr val="000000"/>
+                </a:solidFill>
+                <a:latin typeface="Arial" panose="020B0604020202020204" pitchFamily="34" charset="0"/>
+                <a:cs typeface="Arial" panose="020B0604020202020204" pitchFamily="34" charset="0"/>
+                <a:hlinkClick r:id="rId5" action="ppaction://hlinksldjump"/>
+              </a:rPr>
+              <a:t>ioneaz</a:t>
+            </a:r>
+            <a:r>
+              <a:rPr lang="ro-RO" sz="2800" dirty="0">
+                <a:solidFill>
+                  <a:srgbClr val="000000"/>
+                </a:solidFill>
+                <a:latin typeface="Arial" panose="020B0604020202020204" pitchFamily="34" charset="0"/>
+                <a:cs typeface="Arial" panose="020B0604020202020204" pitchFamily="34" charset="0"/>
+                <a:hlinkClick r:id="rId5" action="ppaction://hlinksldjump"/>
+              </a:rPr>
+              <a:t>ă</a:t>
+            </a:r>
+            <a:r>
+              <a:rPr lang="en-US" sz="2800" dirty="0">
+                <a:solidFill>
+                  <a:srgbClr val="000000"/>
+                </a:solidFill>
+                <a:latin typeface="Arial" panose="020B0604020202020204" pitchFamily="34" charset="0"/>
+                <a:cs typeface="Arial" panose="020B0604020202020204" pitchFamily="34" charset="0"/>
+                <a:hlinkClick r:id="rId5" action="ppaction://hlinksldjump"/>
+              </a:rPr>
+              <a:t> ?</a:t>
+            </a:r>
+            <a:endParaRPr lang="ro-RO" sz="2800" dirty="0">
+              <a:solidFill>
+                <a:srgbClr val="000000"/>
+              </a:solidFill>
+              <a:latin typeface="Arial" panose="020B0604020202020204" pitchFamily="34" charset="0"/>
+              <a:cs typeface="Arial" panose="020B0604020202020204" pitchFamily="34" charset="0"/>
+            </a:endParaRPr>
+          </a:p>
+          <a:p>
+            <a:pPr marL="342900" indent="-342900">
+              <a:lnSpc>
+                <a:spcPct val="150000"/>
+              </a:lnSpc>
+              <a:buFont typeface="+mj-lt"/>
+              <a:buAutoNum type="arabicPeriod"/>
+            </a:pPr>
+            <a:r>
+              <a:rPr lang="en-US" sz="2800" dirty="0" err="1">
+                <a:solidFill>
+                  <a:srgbClr val="000000"/>
+                </a:solidFill>
+                <a:latin typeface="Arial" panose="020B0604020202020204" pitchFamily="34" charset="0"/>
+                <a:cs typeface="Arial" panose="020B0604020202020204" pitchFamily="34" charset="0"/>
+                <a:hlinkClick r:id="rId6" action="ppaction://hlinksldjump"/>
+              </a:rPr>
+              <a:t>Funcționalități</a:t>
+            </a:r>
+            <a:r>
+              <a:rPr lang="en-US" sz="2800" dirty="0">
+                <a:solidFill>
+                  <a:srgbClr val="000000"/>
+                </a:solidFill>
+                <a:latin typeface="Arial" panose="020B0604020202020204" pitchFamily="34" charset="0"/>
+                <a:cs typeface="Arial" panose="020B0604020202020204" pitchFamily="34" charset="0"/>
+                <a:hlinkClick r:id="rId6" action="ppaction://hlinksldjump"/>
+              </a:rPr>
+              <a:t> </a:t>
+            </a:r>
+            <a:r>
+              <a:rPr lang="en-US" sz="2800" dirty="0" err="1">
+                <a:solidFill>
+                  <a:srgbClr val="000000"/>
+                </a:solidFill>
+                <a:latin typeface="Arial" panose="020B0604020202020204" pitchFamily="34" charset="0"/>
+                <a:cs typeface="Arial" panose="020B0604020202020204" pitchFamily="34" charset="0"/>
+                <a:hlinkClick r:id="rId6" action="ppaction://hlinksldjump"/>
+              </a:rPr>
+              <a:t>secundare</a:t>
+            </a:r>
+            <a:endParaRPr lang="en-US" sz="2800" dirty="0">
+              <a:solidFill>
+                <a:srgbClr val="000000"/>
+              </a:solidFill>
+              <a:latin typeface="Arial" panose="020B0604020202020204" pitchFamily="34" charset="0"/>
+              <a:cs typeface="Arial" panose="020B0604020202020204" pitchFamily="34" charset="0"/>
+            </a:endParaRPr>
+          </a:p>
+          <a:p>
+            <a:pPr marL="342900" indent="-342900">
+              <a:lnSpc>
+                <a:spcPct val="150000"/>
+              </a:lnSpc>
+              <a:buFont typeface="+mj-lt"/>
+              <a:buAutoNum type="arabicPeriod"/>
+            </a:pPr>
+            <a:r>
+              <a:rPr lang="it-IT" sz="2800" dirty="0">
+                <a:solidFill>
+                  <a:srgbClr val="000000"/>
+                </a:solidFill>
+                <a:latin typeface="Arial" panose="020B0604020202020204" pitchFamily="34" charset="0"/>
+                <a:cs typeface="Arial" panose="020B0604020202020204" pitchFamily="34" charset="0"/>
+                <a:hlinkClick r:id="rId7" action="ppaction://hlinksldjump"/>
+              </a:rPr>
+              <a:t>Securitatea serviciului S.D.A.</a:t>
+            </a:r>
+            <a:endParaRPr lang="ro-RO" sz="2800" dirty="0">
+              <a:solidFill>
+                <a:srgbClr val="212121"/>
+              </a:solidFill>
+              <a:latin typeface="Arial" panose="020B0604020202020204" pitchFamily="34" charset="0"/>
+              <a:cs typeface="Arial" panose="020B0604020202020204" pitchFamily="34" charset="0"/>
+            </a:endParaRPr>
+          </a:p>
+          <a:p>
+            <a:pPr marL="342900" indent="-342900">
+              <a:lnSpc>
+                <a:spcPct val="150000"/>
+              </a:lnSpc>
+              <a:buFont typeface="+mj-lt"/>
+              <a:buAutoNum type="arabicPeriod"/>
+            </a:pPr>
+            <a:r>
+              <a:rPr lang="pt-BR" sz="2800" dirty="0">
+                <a:solidFill>
+                  <a:srgbClr val="000000"/>
+                </a:solidFill>
+                <a:latin typeface="Arial" panose="020B0604020202020204" pitchFamily="34" charset="0"/>
+                <a:cs typeface="Arial" panose="020B0604020202020204" pitchFamily="34" charset="0"/>
+                <a:hlinkClick r:id="rId8" action="ppaction://hlinksldjump"/>
+              </a:rPr>
+              <a:t>Idei de </a:t>
+            </a:r>
+            <a:r>
+              <a:rPr lang="ro-RO" sz="2800" dirty="0">
+                <a:solidFill>
+                  <a:srgbClr val="000000"/>
+                </a:solidFill>
+                <a:latin typeface="Arial" panose="020B0604020202020204" pitchFamily="34" charset="0"/>
+                <a:cs typeface="Arial" panose="020B0604020202020204" pitchFamily="34" charset="0"/>
+                <a:hlinkClick r:id="rId8" action="ppaction://hlinksldjump"/>
+              </a:rPr>
+              <a:t>î</a:t>
+            </a:r>
+            <a:r>
+              <a:rPr lang="pt-BR" sz="2800" dirty="0">
+                <a:solidFill>
+                  <a:srgbClr val="000000"/>
+                </a:solidFill>
+                <a:latin typeface="Arial" panose="020B0604020202020204" pitchFamily="34" charset="0"/>
+                <a:cs typeface="Arial" panose="020B0604020202020204" pitchFamily="34" charset="0"/>
+                <a:hlinkClick r:id="rId8" action="ppaction://hlinksldjump"/>
+              </a:rPr>
+              <a:t>mbunătățire</a:t>
+            </a:r>
+            <a:r>
+              <a:rPr lang="ro-RO" sz="2800" dirty="0">
+                <a:solidFill>
+                  <a:srgbClr val="000000"/>
+                </a:solidFill>
+                <a:latin typeface="Arial" panose="020B0604020202020204" pitchFamily="34" charset="0"/>
+                <a:cs typeface="Arial" panose="020B0604020202020204" pitchFamily="34" charset="0"/>
+                <a:hlinkClick r:id="rId8" action="ppaction://hlinksldjump"/>
+              </a:rPr>
+              <a:t> pentru</a:t>
+            </a:r>
+            <a:r>
+              <a:rPr lang="pt-BR" sz="2800" dirty="0">
+                <a:solidFill>
+                  <a:srgbClr val="000000"/>
+                </a:solidFill>
+                <a:latin typeface="Arial" panose="020B0604020202020204" pitchFamily="34" charset="0"/>
+                <a:cs typeface="Arial" panose="020B0604020202020204" pitchFamily="34" charset="0"/>
+                <a:hlinkClick r:id="rId8" action="ppaction://hlinksldjump"/>
+              </a:rPr>
+              <a:t> S.D.A. </a:t>
+            </a:r>
+            <a:endParaRPr lang="ro-RO" sz="2800" dirty="0">
+              <a:solidFill>
+                <a:srgbClr val="212121"/>
+              </a:solidFill>
+              <a:latin typeface="Arial" panose="020B0604020202020204" pitchFamily="34" charset="0"/>
+              <a:cs typeface="Arial" panose="020B0604020202020204" pitchFamily="34" charset="0"/>
+            </a:endParaRPr>
+          </a:p>
+          <a:p>
+            <a:pPr marL="342900" indent="-342900">
+              <a:lnSpc>
+                <a:spcPct val="150000"/>
+              </a:lnSpc>
+              <a:buFont typeface="+mj-lt"/>
+              <a:buAutoNum type="arabicPeriod"/>
+            </a:pPr>
+            <a:r>
+              <a:rPr lang="ro-RO" sz="2800" dirty="0">
+                <a:solidFill>
+                  <a:srgbClr val="000000"/>
+                </a:solidFill>
+                <a:latin typeface="Arial" panose="020B0604020202020204" pitchFamily="34" charset="0"/>
+                <a:cs typeface="Arial" panose="020B0604020202020204" pitchFamily="34" charset="0"/>
+                <a:hlinkClick r:id="rId9" action="ppaction://hlinksldjump"/>
+              </a:rPr>
+              <a:t>Concluzie</a:t>
+            </a:r>
+            <a:endParaRPr lang="ro-RO" sz="2800" dirty="0">
+              <a:solidFill>
+                <a:srgbClr val="212121"/>
+              </a:solidFill>
+              <a:latin typeface="Arial" panose="020B0604020202020204" pitchFamily="34" charset="0"/>
+              <a:cs typeface="Arial" panose="020B0604020202020204" pitchFamily="34" charset="0"/>
+            </a:endParaRPr>
+          </a:p>
+        </p:txBody>
+      </p:sp>
+      <p:sp>
+        <p:nvSpPr>
+          <p:cNvPr id="14" name="Slide Number Placeholder 13">
+            <a:extLst>
+              <a:ext uri="{FF2B5EF4-FFF2-40B4-BE49-F238E27FC236}">
+                <a16:creationId xmlns:a16="http://schemas.microsoft.com/office/drawing/2014/main" id="{A9EDAC6E-DA2F-4151-AB94-D1CBEF10C74D}"/>
+              </a:ext>
+            </a:extLst>
+          </p:cNvPr>
+          <p:cNvSpPr>
+            <a:spLocks noGrp="1"/>
+          </p:cNvSpPr>
+          <p:nvPr>
+            <p:ph type="sldNum" sz="quarter" idx="12"/>
+          </p:nvPr>
+        </p:nvSpPr>
+        <p:spPr/>
+        <p:txBody>
+          <a:bodyPr/>
+          <a:lstStyle/>
+          <a:p>
+            <a:fld id="{F790DE73-E2B1-4B33-89E6-89D6E9121213}" type="slidenum">
+              <a:rPr lang="en-US" smtClean="0"/>
+              <a:t>2</a:t>
+            </a:fld>
+            <a:endParaRPr lang="en-US" dirty="0"/>
+          </a:p>
+        </p:txBody>
+      </p:sp>
+    </p:spTree>
+    <p:extLst>
+      <p:ext uri="{BB962C8B-B14F-4D97-AF65-F5344CB8AC3E}">
+        <p14:creationId xmlns:p14="http://schemas.microsoft.com/office/powerpoint/2010/main" val="4120482644"/>
+      </p:ext>
+    </p:extLst>
+  </p:cSld>
+  <p:clrMapOvr>
+    <a:masterClrMapping/>
+  </p:clrMapOvr>
+</p:sld>
+</file>
+
+<file path=ppt/slides/slide3.xml><?xml version="1.0" encoding="utf-8"?>
+<p:sld xmlns:a="http://schemas.openxmlformats.org/drawingml/2006/main" xmlns:r="http://schemas.openxmlformats.org/officeDocument/2006/relationships" xmlns:p="http://schemas.openxmlformats.org/presentationml/2006/main">
+  <p:cSld>
+    <p:spTree>
+      <p:nvGrpSpPr>
+        <p:cNvPr id="1" name=""/>
+        <p:cNvGrpSpPr/>
+        <p:nvPr/>
+      </p:nvGrpSpPr>
+      <p:grpSpPr>
+        <a:xfrm>
+          <a:off x="0" y="0"/>
+          <a:ext cx="0" cy="0"/>
+          <a:chOff x="0" y="0"/>
+          <a:chExt cx="0" cy="0"/>
+        </a:xfrm>
+      </p:grpSpPr>
+      <p:sp>
+        <p:nvSpPr>
           <p:cNvPr id="2" name="Title 1">
             <a:extLst>
               <a:ext uri="{FF2B5EF4-FFF2-40B4-BE49-F238E27FC236}">
@@ -7758,7 +9013,7 @@
           <a:p>
             <a:r>
               <a:rPr lang="ro-RO" dirty="0"/>
-              <a:t>ProblemA</a:t>
+              <a:t>Problema</a:t>
             </a:r>
             <a:r>
               <a:rPr lang="en-US" dirty="0"/>
@@ -7935,6 +9190,35 @@
               <a:t>Cauze : </a:t>
             </a:r>
             <a:endParaRPr lang="en-US" sz="2400" dirty="0"/>
+          </a:p>
+        </p:txBody>
+      </p:sp>
+      <p:sp>
+        <p:nvSpPr>
+          <p:cNvPr id="3" name="Slide Number Placeholder 2">
+            <a:extLst>
+              <a:ext uri="{FF2B5EF4-FFF2-40B4-BE49-F238E27FC236}">
+                <a16:creationId xmlns:a16="http://schemas.microsoft.com/office/drawing/2014/main" id="{A647CA81-D29D-409E-A281-0BF8CA088211}"/>
+              </a:ext>
+            </a:extLst>
+          </p:cNvPr>
+          <p:cNvSpPr>
+            <a:spLocks noGrp="1"/>
+          </p:cNvSpPr>
+          <p:nvPr>
+            <p:ph type="sldNum" sz="quarter" idx="12"/>
+          </p:nvPr>
+        </p:nvSpPr>
+        <p:spPr/>
+        <p:txBody>
+          <a:bodyPr/>
+          <a:lstStyle/>
+          <a:p>
+            <a:fld id="{F790DE73-E2B1-4B33-89E6-89D6E9121213}" type="slidenum">
+              <a:rPr lang="en-US" smtClean="0"/>
+              <a:t>3</a:t>
+            </a:fld>
+            <a:endParaRPr lang="en-US"/>
           </a:p>
         </p:txBody>
       </p:sp>
@@ -8222,7 +9506,7 @@
 </p:sld>
 </file>
 
-<file path=ppt/slides/slide3.xml><?xml version="1.0" encoding="utf-8"?>
+<file path=ppt/slides/slide4.xml><?xml version="1.0" encoding="utf-8"?>
 <p:sld xmlns:a="http://schemas.openxmlformats.org/drawingml/2006/main" xmlns:r="http://schemas.openxmlformats.org/officeDocument/2006/relationships" xmlns:p="http://schemas.openxmlformats.org/presentationml/2006/main">
   <p:cSld>
     <p:spTree>
@@ -8927,6 +10211,35 @@
           </p:spPr>
         </p:cxnSp>
       </p:grpSp>
+      <p:sp>
+        <p:nvSpPr>
+          <p:cNvPr id="3" name="Slide Number Placeholder 2">
+            <a:extLst>
+              <a:ext uri="{FF2B5EF4-FFF2-40B4-BE49-F238E27FC236}">
+                <a16:creationId xmlns:a16="http://schemas.microsoft.com/office/drawing/2014/main" id="{903C2809-F2AB-411D-9EA7-FC20073AF9BF}"/>
+              </a:ext>
+            </a:extLst>
+          </p:cNvPr>
+          <p:cNvSpPr>
+            <a:spLocks noGrp="1"/>
+          </p:cNvSpPr>
+          <p:nvPr>
+            <p:ph type="sldNum" sz="quarter" idx="12"/>
+          </p:nvPr>
+        </p:nvSpPr>
+        <p:spPr/>
+        <p:txBody>
+          <a:bodyPr/>
+          <a:lstStyle/>
+          <a:p>
+            <a:fld id="{F790DE73-E2B1-4B33-89E6-89D6E9121213}" type="slidenum">
+              <a:rPr lang="en-US" smtClean="0"/>
+              <a:t>4</a:t>
+            </a:fld>
+            <a:endParaRPr lang="en-US"/>
+          </a:p>
+        </p:txBody>
+      </p:sp>
     </p:spTree>
     <p:extLst>
       <p:ext uri="{BB962C8B-B14F-4D97-AF65-F5344CB8AC3E}">
@@ -9211,7 +10524,7 @@
 </p:sld>
 </file>
 
-<file path=ppt/slides/slide4.xml><?xml version="1.0" encoding="utf-8"?>
+<file path=ppt/slides/slide5.xml><?xml version="1.0" encoding="utf-8"?>
 <p:sld xmlns:a="http://schemas.openxmlformats.org/drawingml/2006/main" xmlns:r="http://schemas.openxmlformats.org/officeDocument/2006/relationships" xmlns:p="http://schemas.openxmlformats.org/presentationml/2006/main">
   <p:cSld>
     <p:spTree>
@@ -9333,6 +10646,35 @@
           </a:p>
         </p:txBody>
       </p:sp>
+      <p:sp>
+        <p:nvSpPr>
+          <p:cNvPr id="3" name="Slide Number Placeholder 2">
+            <a:extLst>
+              <a:ext uri="{FF2B5EF4-FFF2-40B4-BE49-F238E27FC236}">
+                <a16:creationId xmlns:a16="http://schemas.microsoft.com/office/drawing/2014/main" id="{9E4B4FDC-1030-4149-BD7B-B6C9B4A9B4BC}"/>
+              </a:ext>
+            </a:extLst>
+          </p:cNvPr>
+          <p:cNvSpPr>
+            <a:spLocks noGrp="1"/>
+          </p:cNvSpPr>
+          <p:nvPr>
+            <p:ph type="sldNum" sz="quarter" idx="12"/>
+          </p:nvPr>
+        </p:nvSpPr>
+        <p:spPr/>
+        <p:txBody>
+          <a:bodyPr/>
+          <a:lstStyle/>
+          <a:p>
+            <a:fld id="{F790DE73-E2B1-4B33-89E6-89D6E9121213}" type="slidenum">
+              <a:rPr lang="en-US" smtClean="0"/>
+              <a:t>5</a:t>
+            </a:fld>
+            <a:endParaRPr lang="en-US"/>
+          </a:p>
+        </p:txBody>
+      </p:sp>
     </p:spTree>
     <p:extLst>
       <p:ext uri="{BB962C8B-B14F-4D97-AF65-F5344CB8AC3E}">
@@ -9346,7 +10688,7 @@
 </p:sld>
 </file>
 
-<file path=ppt/slides/slide5.xml><?xml version="1.0" encoding="utf-8"?>
+<file path=ppt/slides/slide6.xml><?xml version="1.0" encoding="utf-8"?>
 <p:sld xmlns:a="http://schemas.openxmlformats.org/drawingml/2006/main" xmlns:r="http://schemas.openxmlformats.org/officeDocument/2006/relationships" xmlns:p="http://schemas.openxmlformats.org/presentationml/2006/main">
   <p:cSld>
     <p:spTree>
@@ -9929,6 +11271,35 @@
               <a:rPr lang="en-US" dirty="0"/>
               <a:t>Play demo</a:t>
             </a:r>
+          </a:p>
+        </p:txBody>
+      </p:sp>
+      <p:sp>
+        <p:nvSpPr>
+          <p:cNvPr id="6" name="Slide Number Placeholder 5">
+            <a:extLst>
+              <a:ext uri="{FF2B5EF4-FFF2-40B4-BE49-F238E27FC236}">
+                <a16:creationId xmlns:a16="http://schemas.microsoft.com/office/drawing/2014/main" id="{7AFBB719-C5C9-4851-B639-F0C9E1CE3E52}"/>
+              </a:ext>
+            </a:extLst>
+          </p:cNvPr>
+          <p:cNvSpPr>
+            <a:spLocks noGrp="1"/>
+          </p:cNvSpPr>
+          <p:nvPr>
+            <p:ph type="sldNum" sz="quarter" idx="12"/>
+          </p:nvPr>
+        </p:nvSpPr>
+        <p:spPr/>
+        <p:txBody>
+          <a:bodyPr/>
+          <a:lstStyle/>
+          <a:p>
+            <a:fld id="{F790DE73-E2B1-4B33-89E6-89D6E9121213}" type="slidenum">
+              <a:rPr lang="en-US" smtClean="0"/>
+              <a:t>6</a:t>
+            </a:fld>
+            <a:endParaRPr lang="en-US"/>
           </a:p>
         </p:txBody>
       </p:sp>
@@ -10367,7 +11738,7 @@
 </p:sld>
 </file>
 
-<file path=ppt/slides/slide6.xml><?xml version="1.0" encoding="utf-8"?>
+<file path=ppt/slides/slide7.xml><?xml version="1.0" encoding="utf-8"?>
 <p:sld xmlns:a="http://schemas.openxmlformats.org/drawingml/2006/main" xmlns:r="http://schemas.openxmlformats.org/officeDocument/2006/relationships" xmlns:p="http://schemas.openxmlformats.org/presentationml/2006/main">
   <p:cSld>
     <p:spTree>
@@ -10598,6 +11969,35 @@
               </a:rPr>
               <a:t>Riscuri:</a:t>
             </a:r>
+          </a:p>
+        </p:txBody>
+      </p:sp>
+      <p:sp>
+        <p:nvSpPr>
+          <p:cNvPr id="5" name="Slide Number Placeholder 4">
+            <a:extLst>
+              <a:ext uri="{FF2B5EF4-FFF2-40B4-BE49-F238E27FC236}">
+                <a16:creationId xmlns:a16="http://schemas.microsoft.com/office/drawing/2014/main" id="{10F62EE0-D136-4790-8823-3E5607090D47}"/>
+              </a:ext>
+            </a:extLst>
+          </p:cNvPr>
+          <p:cNvSpPr>
+            <a:spLocks noGrp="1"/>
+          </p:cNvSpPr>
+          <p:nvPr>
+            <p:ph type="sldNum" sz="quarter" idx="12"/>
+          </p:nvPr>
+        </p:nvSpPr>
+        <p:spPr/>
+        <p:txBody>
+          <a:bodyPr/>
+          <a:lstStyle/>
+          <a:p>
+            <a:fld id="{F790DE73-E2B1-4B33-89E6-89D6E9121213}" type="slidenum">
+              <a:rPr lang="en-US" smtClean="0"/>
+              <a:t>7</a:t>
+            </a:fld>
+            <a:endParaRPr lang="en-US"/>
           </a:p>
         </p:txBody>
       </p:sp>
@@ -10839,7 +12239,7 @@
 </p:sld>
 </file>
 
-<file path=ppt/slides/slide7.xml><?xml version="1.0" encoding="utf-8"?>
+<file path=ppt/slides/slide8.xml><?xml version="1.0" encoding="utf-8"?>
 <p:sld xmlns:a="http://schemas.openxmlformats.org/drawingml/2006/main" xmlns:r="http://schemas.openxmlformats.org/officeDocument/2006/relationships" xmlns:p="http://schemas.openxmlformats.org/presentationml/2006/main">
   <p:cSld>
     <p:spTree>
@@ -10978,6 +12378,35 @@
               </a:rPr>
               <a:t>Atacuri posibile:</a:t>
             </a:r>
+          </a:p>
+        </p:txBody>
+      </p:sp>
+      <p:sp>
+        <p:nvSpPr>
+          <p:cNvPr id="4" name="Slide Number Placeholder 3">
+            <a:extLst>
+              <a:ext uri="{FF2B5EF4-FFF2-40B4-BE49-F238E27FC236}">
+                <a16:creationId xmlns:a16="http://schemas.microsoft.com/office/drawing/2014/main" id="{675E5678-77DC-4E57-B9AF-ECF59392C7FB}"/>
+              </a:ext>
+            </a:extLst>
+          </p:cNvPr>
+          <p:cNvSpPr>
+            <a:spLocks noGrp="1"/>
+          </p:cNvSpPr>
+          <p:nvPr>
+            <p:ph type="sldNum" sz="quarter" idx="12"/>
+          </p:nvPr>
+        </p:nvSpPr>
+        <p:spPr/>
+        <p:txBody>
+          <a:bodyPr/>
+          <a:lstStyle/>
+          <a:p>
+            <a:fld id="{F790DE73-E2B1-4B33-89E6-89D6E9121213}" type="slidenum">
+              <a:rPr lang="en-US" smtClean="0"/>
+              <a:t>8</a:t>
+            </a:fld>
+            <a:endParaRPr lang="en-US"/>
           </a:p>
         </p:txBody>
       </p:sp>
@@ -11219,7 +12648,7 @@
 </p:sld>
 </file>
 
-<file path=ppt/slides/slide8.xml><?xml version="1.0" encoding="utf-8"?>
+<file path=ppt/slides/slide9.xml><?xml version="1.0" encoding="utf-8"?>
 <p:sld xmlns:a="http://schemas.openxmlformats.org/drawingml/2006/main" xmlns:r="http://schemas.openxmlformats.org/officeDocument/2006/relationships" xmlns:p="http://schemas.openxmlformats.org/presentationml/2006/main">
   <p:cSld>
     <p:spTree>
@@ -11389,6 +12818,35 @@
               </a:rPr>
               <a:t>Metode de securitate implementate:</a:t>
             </a:r>
+          </a:p>
+        </p:txBody>
+      </p:sp>
+      <p:sp>
+        <p:nvSpPr>
+          <p:cNvPr id="3" name="Slide Number Placeholder 2">
+            <a:extLst>
+              <a:ext uri="{FF2B5EF4-FFF2-40B4-BE49-F238E27FC236}">
+                <a16:creationId xmlns:a16="http://schemas.microsoft.com/office/drawing/2014/main" id="{23684229-2DEC-4122-8839-EF01A59F2D6E}"/>
+              </a:ext>
+            </a:extLst>
+          </p:cNvPr>
+          <p:cNvSpPr>
+            <a:spLocks noGrp="1"/>
+          </p:cNvSpPr>
+          <p:nvPr>
+            <p:ph type="sldNum" sz="quarter" idx="12"/>
+          </p:nvPr>
+        </p:nvSpPr>
+        <p:spPr/>
+        <p:txBody>
+          <a:bodyPr/>
+          <a:lstStyle/>
+          <a:p>
+            <a:fld id="{F790DE73-E2B1-4B33-89E6-89D6E9121213}" type="slidenum">
+              <a:rPr lang="en-US" smtClean="0"/>
+              <a:t>9</a:t>
+            </a:fld>
+            <a:endParaRPr lang="en-US"/>
           </a:p>
         </p:txBody>
       </p:sp>
@@ -11675,520 +13133,6 @@
     <p:bldLst>
       <p:bldP spid="4" grpId="0"/>
     </p:bldLst>
-  </p:timing>
-</p:sld>
-</file>
-
-<file path=ppt/slides/slide9.xml><?xml version="1.0" encoding="utf-8"?>
-<p:sld xmlns:a="http://schemas.openxmlformats.org/drawingml/2006/main" xmlns:r="http://schemas.openxmlformats.org/officeDocument/2006/relationships" xmlns:p="http://schemas.openxmlformats.org/presentationml/2006/main">
-  <p:cSld>
-    <p:spTree>
-      <p:nvGrpSpPr>
-        <p:cNvPr id="1" name=""/>
-        <p:cNvGrpSpPr/>
-        <p:nvPr/>
-      </p:nvGrpSpPr>
-      <p:grpSpPr>
-        <a:xfrm>
-          <a:off x="0" y="0"/>
-          <a:ext cx="0" cy="0"/>
-          <a:chOff x="0" y="0"/>
-          <a:chExt cx="0" cy="0"/>
-        </a:xfrm>
-      </p:grpSpPr>
-      <p:sp>
-        <p:nvSpPr>
-          <p:cNvPr id="2" name="Title 1">
-            <a:extLst>
-              <a:ext uri="{FF2B5EF4-FFF2-40B4-BE49-F238E27FC236}">
-                <a16:creationId xmlns:a16="http://schemas.microsoft.com/office/drawing/2014/main" id="{2CD33FBB-2A1E-46A8-B1A7-E3DA07CDCF02}"/>
-              </a:ext>
-            </a:extLst>
-          </p:cNvPr>
-          <p:cNvSpPr>
-            <a:spLocks noGrp="1"/>
-          </p:cNvSpPr>
-          <p:nvPr>
-            <p:ph type="title"/>
-          </p:nvPr>
-        </p:nvSpPr>
-        <p:spPr/>
-        <p:txBody>
-          <a:bodyPr/>
-          <a:lstStyle/>
-          <a:p>
-            <a:r>
-              <a:rPr lang="ro-RO" dirty="0"/>
-              <a:t>Securitatea serviciului S.D.A.</a:t>
-            </a:r>
-            <a:endParaRPr lang="en-US" dirty="0"/>
-          </a:p>
-        </p:txBody>
-      </p:sp>
-      <p:sp>
-        <p:nvSpPr>
-          <p:cNvPr id="7" name="Content Placeholder 2">
-            <a:extLst>
-              <a:ext uri="{FF2B5EF4-FFF2-40B4-BE49-F238E27FC236}">
-                <a16:creationId xmlns:a16="http://schemas.microsoft.com/office/drawing/2014/main" id="{959D88C9-78AE-4E65-A7BF-D434E2E78E37}"/>
-              </a:ext>
-            </a:extLst>
-          </p:cNvPr>
-          <p:cNvSpPr>
-            <a:spLocks noGrp="1"/>
-          </p:cNvSpPr>
-          <p:nvPr>
-            <p:ph sz="quarter" idx="13"/>
-          </p:nvPr>
-        </p:nvSpPr>
-        <p:spPr>
-          <a:xfrm>
-            <a:off x="1296313" y="3051954"/>
-            <a:ext cx="10394707" cy="2480628"/>
-          </a:xfrm>
-        </p:spPr>
-        <p:txBody>
-          <a:bodyPr anchor="t">
-            <a:normAutofit fontScale="92500" lnSpcReduction="20000"/>
-          </a:bodyPr>
-          <a:lstStyle/>
-          <a:p>
-            <a:r>
-              <a:rPr lang="ro-RO" dirty="0"/>
-              <a:t>Combaterea apelurilor false </a:t>
-            </a:r>
-          </a:p>
-          <a:p>
-            <a:pPr lvl="1">
-              <a:buFont typeface="Wingdings" panose="05000000000000000000" pitchFamily="2" charset="2"/>
-              <a:buChar char="Ø"/>
-            </a:pPr>
-            <a:r>
-              <a:rPr lang="ro-RO" dirty="0"/>
-              <a:t>Ordonanța de urgență </a:t>
-            </a:r>
-            <a:r>
-              <a:rPr lang="ro-RO" i="1" dirty="0"/>
-              <a:t>nr. 34/2008 </a:t>
-            </a:r>
-          </a:p>
-          <a:p>
-            <a:pPr lvl="1">
-              <a:buFont typeface="Wingdings" panose="05000000000000000000" pitchFamily="2" charset="2"/>
-              <a:buChar char="Ø"/>
-            </a:pPr>
-            <a:r>
-              <a:rPr lang="ro-RO" dirty="0"/>
-              <a:t>Posibilitatea de a trimite raport lunar catre politie cu apelurile false</a:t>
-            </a:r>
-            <a:endParaRPr lang="ro-RO" i="1" dirty="0"/>
-          </a:p>
-          <a:p>
-            <a:r>
-              <a:rPr lang="ro-RO" dirty="0"/>
-              <a:t>Declarațiile parametrizate împotriva atacului SQL Injection</a:t>
-            </a:r>
-          </a:p>
-          <a:p>
-            <a:r>
-              <a:rPr lang="ro-RO" dirty="0"/>
-              <a:t>Funcția de validare CNP </a:t>
-            </a:r>
-          </a:p>
-          <a:p>
-            <a:r>
-              <a:rPr lang="ro-RO" dirty="0"/>
-              <a:t>Avertizare, Banare, Blocare</a:t>
-            </a:r>
-          </a:p>
-          <a:p>
-            <a:pPr lvl="1">
-              <a:buFont typeface="Wingdings" panose="05000000000000000000" pitchFamily="2" charset="2"/>
-              <a:buChar char="Ø"/>
-            </a:pPr>
-            <a:endParaRPr lang="ro-RO" b="1" dirty="0"/>
-          </a:p>
-          <a:p>
-            <a:pPr lvl="1">
-              <a:buFont typeface="Wingdings" panose="05000000000000000000" pitchFamily="2" charset="2"/>
-              <a:buChar char="Ø"/>
-            </a:pPr>
-            <a:endParaRPr lang="ro-RO" dirty="0"/>
-          </a:p>
-        </p:txBody>
-      </p:sp>
-      <p:sp>
-        <p:nvSpPr>
-          <p:cNvPr id="4" name="TextBox 3">
-            <a:extLst>
-              <a:ext uri="{FF2B5EF4-FFF2-40B4-BE49-F238E27FC236}">
-                <a16:creationId xmlns:a16="http://schemas.microsoft.com/office/drawing/2014/main" id="{77C73609-2DAC-4DA8-98A9-C250224BB500}"/>
-              </a:ext>
-            </a:extLst>
-          </p:cNvPr>
-          <p:cNvSpPr txBox="1"/>
-          <p:nvPr/>
-        </p:nvSpPr>
-        <p:spPr>
-          <a:xfrm>
-            <a:off x="1484311" y="2176789"/>
-            <a:ext cx="5756704" cy="523220"/>
-          </a:xfrm>
-          <a:prstGeom prst="rect">
-            <a:avLst/>
-          </a:prstGeom>
-          <a:noFill/>
-        </p:spPr>
-        <p:txBody>
-          <a:bodyPr wrap="square" rtlCol="0">
-            <a:spAutoFit/>
-          </a:bodyPr>
-          <a:lstStyle/>
-          <a:p>
-            <a:r>
-              <a:rPr lang="ro-RO" sz="2800" dirty="0">
-                <a:solidFill>
-                  <a:schemeClr val="accent1"/>
-                </a:solidFill>
-              </a:rPr>
-              <a:t>Metode de securitate implementate:</a:t>
-            </a:r>
-          </a:p>
-        </p:txBody>
-      </p:sp>
-    </p:spTree>
-    <p:extLst>
-      <p:ext uri="{BB962C8B-B14F-4D97-AF65-F5344CB8AC3E}">
-        <p14:creationId xmlns:p14="http://schemas.microsoft.com/office/powerpoint/2010/main" val="220315313"/>
-      </p:ext>
-    </p:extLst>
-  </p:cSld>
-  <p:clrMapOvr>
-    <a:masterClrMapping/>
-  </p:clrMapOvr>
-  <p:timing>
-    <p:tnLst>
-      <p:par>
-        <p:cTn id="1" dur="indefinite" restart="never" nodeType="tmRoot">
-          <p:childTnLst>
-            <p:seq concurrent="1" nextAc="seek">
-              <p:cTn id="2" dur="indefinite" nodeType="mainSeq">
-                <p:childTnLst>
-                  <p:par>
-                    <p:cTn id="3" fill="hold">
-                      <p:stCondLst>
-                        <p:cond delay="indefinite"/>
-                      </p:stCondLst>
-                      <p:childTnLst>
-                        <p:par>
-                          <p:cTn id="4" fill="hold">
-                            <p:stCondLst>
-                              <p:cond delay="0"/>
-                            </p:stCondLst>
-                            <p:childTnLst>
-                              <p:par>
-                                <p:cTn id="5" presetID="1" presetClass="entr" presetSubtype="0" fill="hold" nodeType="clickEffect">
-                                  <p:stCondLst>
-                                    <p:cond delay="0"/>
-                                  </p:stCondLst>
-                                  <p:childTnLst>
-                                    <p:set>
-                                      <p:cBhvr>
-                                        <p:cTn id="6" dur="1" fill="hold">
-                                          <p:stCondLst>
-                                            <p:cond delay="0"/>
-                                          </p:stCondLst>
-                                        </p:cTn>
-                                        <p:tgtEl>
-                                          <p:spTgt spid="7">
-                                            <p:txEl>
-                                              <p:pRg st="0" end="0"/>
-                                            </p:txEl>
-                                          </p:spTgt>
-                                        </p:tgtEl>
-                                        <p:attrNameLst>
-                                          <p:attrName>style.visibility</p:attrName>
-                                        </p:attrNameLst>
-                                      </p:cBhvr>
-                                      <p:to>
-                                        <p:strVal val="visible"/>
-                                      </p:to>
-                                    </p:set>
-                                  </p:childTnLst>
-                                </p:cTn>
-                              </p:par>
-                            </p:childTnLst>
-                          </p:cTn>
-                        </p:par>
-                      </p:childTnLst>
-                    </p:cTn>
-                  </p:par>
-                  <p:par>
-                    <p:cTn id="7" fill="hold">
-                      <p:stCondLst>
-                        <p:cond delay="indefinite"/>
-                      </p:stCondLst>
-                      <p:childTnLst>
-                        <p:par>
-                          <p:cTn id="8" fill="hold">
-                            <p:stCondLst>
-                              <p:cond delay="0"/>
-                            </p:stCondLst>
-                            <p:childTnLst>
-                              <p:par>
-                                <p:cTn id="9" presetID="1" presetClass="entr" presetSubtype="0" fill="hold" nodeType="clickEffect">
-                                  <p:stCondLst>
-                                    <p:cond delay="0"/>
-                                  </p:stCondLst>
-                                  <p:childTnLst>
-                                    <p:set>
-                                      <p:cBhvr>
-                                        <p:cTn id="10" dur="1" fill="hold">
-                                          <p:stCondLst>
-                                            <p:cond delay="0"/>
-                                          </p:stCondLst>
-                                        </p:cTn>
-                                        <p:tgtEl>
-                                          <p:spTgt spid="7">
-                                            <p:txEl>
-                                              <p:pRg st="1" end="1"/>
-                                            </p:txEl>
-                                          </p:spTgt>
-                                        </p:tgtEl>
-                                        <p:attrNameLst>
-                                          <p:attrName>style.visibility</p:attrName>
-                                        </p:attrNameLst>
-                                      </p:cBhvr>
-                                      <p:to>
-                                        <p:strVal val="visible"/>
-                                      </p:to>
-                                    </p:set>
-                                  </p:childTnLst>
-                                </p:cTn>
-                              </p:par>
-                            </p:childTnLst>
-                          </p:cTn>
-                        </p:par>
-                      </p:childTnLst>
-                    </p:cTn>
-                  </p:par>
-                  <p:par>
-                    <p:cTn id="11" fill="hold">
-                      <p:stCondLst>
-                        <p:cond delay="indefinite"/>
-                      </p:stCondLst>
-                      <p:childTnLst>
-                        <p:par>
-                          <p:cTn id="12" fill="hold">
-                            <p:stCondLst>
-                              <p:cond delay="0"/>
-                            </p:stCondLst>
-                            <p:childTnLst>
-                              <p:par>
-                                <p:cTn id="13" presetID="1" presetClass="entr" presetSubtype="0" fill="hold" nodeType="clickEffect">
-                                  <p:stCondLst>
-                                    <p:cond delay="0"/>
-                                  </p:stCondLst>
-                                  <p:childTnLst>
-                                    <p:set>
-                                      <p:cBhvr>
-                                        <p:cTn id="14" dur="1" fill="hold">
-                                          <p:stCondLst>
-                                            <p:cond delay="0"/>
-                                          </p:stCondLst>
-                                        </p:cTn>
-                                        <p:tgtEl>
-                                          <p:spTgt spid="7">
-                                            <p:txEl>
-                                              <p:pRg st="2" end="2"/>
-                                            </p:txEl>
-                                          </p:spTgt>
-                                        </p:tgtEl>
-                                        <p:attrNameLst>
-                                          <p:attrName>style.visibility</p:attrName>
-                                        </p:attrNameLst>
-                                      </p:cBhvr>
-                                      <p:to>
-                                        <p:strVal val="visible"/>
-                                      </p:to>
-                                    </p:set>
-                                  </p:childTnLst>
-                                </p:cTn>
-                              </p:par>
-                            </p:childTnLst>
-                          </p:cTn>
-                        </p:par>
-                      </p:childTnLst>
-                    </p:cTn>
-                  </p:par>
-                  <p:par>
-                    <p:cTn id="15" fill="hold">
-                      <p:stCondLst>
-                        <p:cond delay="indefinite"/>
-                      </p:stCondLst>
-                      <p:childTnLst>
-                        <p:par>
-                          <p:cTn id="16" fill="hold">
-                            <p:stCondLst>
-                              <p:cond delay="0"/>
-                            </p:stCondLst>
-                            <p:childTnLst>
-                              <p:par>
-                                <p:cTn id="17" presetID="1" presetClass="entr" presetSubtype="0" fill="hold" nodeType="clickEffect">
-                                  <p:stCondLst>
-                                    <p:cond delay="0"/>
-                                  </p:stCondLst>
-                                  <p:childTnLst>
-                                    <p:set>
-                                      <p:cBhvr>
-                                        <p:cTn id="18" dur="1" fill="hold">
-                                          <p:stCondLst>
-                                            <p:cond delay="0"/>
-                                          </p:stCondLst>
-                                        </p:cTn>
-                                        <p:tgtEl>
-                                          <p:spTgt spid="7">
-                                            <p:txEl>
-                                              <p:pRg st="3" end="3"/>
-                                            </p:txEl>
-                                          </p:spTgt>
-                                        </p:tgtEl>
-                                        <p:attrNameLst>
-                                          <p:attrName>style.visibility</p:attrName>
-                                        </p:attrNameLst>
-                                      </p:cBhvr>
-                                      <p:to>
-                                        <p:strVal val="visible"/>
-                                      </p:to>
-                                    </p:set>
-                                  </p:childTnLst>
-                                </p:cTn>
-                              </p:par>
-                            </p:childTnLst>
-                          </p:cTn>
-                        </p:par>
-                      </p:childTnLst>
-                    </p:cTn>
-                  </p:par>
-                  <p:par>
-                    <p:cTn id="19" fill="hold">
-                      <p:stCondLst>
-                        <p:cond delay="indefinite"/>
-                      </p:stCondLst>
-                      <p:childTnLst>
-                        <p:par>
-                          <p:cTn id="20" fill="hold">
-                            <p:stCondLst>
-                              <p:cond delay="0"/>
-                            </p:stCondLst>
-                            <p:childTnLst>
-                              <p:par>
-                                <p:cTn id="21" presetID="1" presetClass="entr" presetSubtype="0" fill="hold" nodeType="clickEffect">
-                                  <p:stCondLst>
-                                    <p:cond delay="0"/>
-                                  </p:stCondLst>
-                                  <p:childTnLst>
-                                    <p:set>
-                                      <p:cBhvr>
-                                        <p:cTn id="22" dur="1" fill="hold">
-                                          <p:stCondLst>
-                                            <p:cond delay="0"/>
-                                          </p:stCondLst>
-                                        </p:cTn>
-                                        <p:tgtEl>
-                                          <p:spTgt spid="7">
-                                            <p:txEl>
-                                              <p:pRg st="4" end="4"/>
-                                            </p:txEl>
-                                          </p:spTgt>
-                                        </p:tgtEl>
-                                        <p:attrNameLst>
-                                          <p:attrName>style.visibility</p:attrName>
-                                        </p:attrNameLst>
-                                      </p:cBhvr>
-                                      <p:to>
-                                        <p:strVal val="visible"/>
-                                      </p:to>
-                                    </p:set>
-                                  </p:childTnLst>
-                                </p:cTn>
-                              </p:par>
-                            </p:childTnLst>
-                          </p:cTn>
-                        </p:par>
-                      </p:childTnLst>
-                    </p:cTn>
-                  </p:par>
-                  <p:par>
-                    <p:cTn id="23" fill="hold">
-                      <p:stCondLst>
-                        <p:cond delay="indefinite"/>
-                      </p:stCondLst>
-                      <p:childTnLst>
-                        <p:par>
-                          <p:cTn id="24" fill="hold">
-                            <p:stCondLst>
-                              <p:cond delay="0"/>
-                            </p:stCondLst>
-                            <p:childTnLst>
-                              <p:par>
-                                <p:cTn id="25" presetID="1" presetClass="entr" presetSubtype="0" fill="hold" nodeType="clickEffect">
-                                  <p:stCondLst>
-                                    <p:cond delay="0"/>
-                                  </p:stCondLst>
-                                  <p:childTnLst>
-                                    <p:set>
-                                      <p:cBhvr>
-                                        <p:cTn id="26" dur="1" fill="hold">
-                                          <p:stCondLst>
-                                            <p:cond delay="0"/>
-                                          </p:stCondLst>
-                                        </p:cTn>
-                                        <p:tgtEl>
-                                          <p:spTgt spid="7">
-                                            <p:txEl>
-                                              <p:pRg st="5" end="5"/>
-                                            </p:txEl>
-                                          </p:spTgt>
-                                        </p:tgtEl>
-                                        <p:attrNameLst>
-                                          <p:attrName>style.visibility</p:attrName>
-                                        </p:attrNameLst>
-                                      </p:cBhvr>
-                                      <p:to>
-                                        <p:strVal val="visible"/>
-                                      </p:to>
-                                    </p:set>
-                                  </p:childTnLst>
-                                </p:cTn>
-                              </p:par>
-                            </p:childTnLst>
-                          </p:cTn>
-                        </p:par>
-                      </p:childTnLst>
-                    </p:cTn>
-                  </p:par>
-                </p:childTnLst>
-              </p:cTn>
-              <p:prevCondLst>
-                <p:cond evt="onPrev" delay="0">
-                  <p:tgtEl>
-                    <p:sldTgt/>
-                  </p:tgtEl>
-                </p:cond>
-              </p:prevCondLst>
-              <p:nextCondLst>
-                <p:cond evt="onNext" delay="0">
-                  <p:tgtEl>
-                    <p:sldTgt/>
-                  </p:tgtEl>
-                </p:cond>
-              </p:nextCondLst>
-            </p:seq>
-          </p:childTnLst>
-        </p:cTn>
-      </p:par>
-    </p:tnLst>
   </p:timing>
 </p:sld>
 </file>
